--- a/TallerR_AndroidLayouts.pptx
+++ b/TallerR_AndroidLayouts.pptx
@@ -7,17 +7,18 @@
   <p:sldIdLst>
     <p:sldId id="256" r:id="rId2"/>
     <p:sldId id="258" r:id="rId3"/>
-    <p:sldId id="257" r:id="rId4"/>
-    <p:sldId id="259" r:id="rId5"/>
-    <p:sldId id="260" r:id="rId6"/>
-    <p:sldId id="264" r:id="rId7"/>
-    <p:sldId id="261" r:id="rId8"/>
-    <p:sldId id="265" r:id="rId9"/>
-    <p:sldId id="262" r:id="rId10"/>
-    <p:sldId id="266" r:id="rId11"/>
-    <p:sldId id="263" r:id="rId12"/>
-    <p:sldId id="267" r:id="rId13"/>
-    <p:sldId id="268" r:id="rId14"/>
+    <p:sldId id="269" r:id="rId4"/>
+    <p:sldId id="257" r:id="rId5"/>
+    <p:sldId id="259" r:id="rId6"/>
+    <p:sldId id="260" r:id="rId7"/>
+    <p:sldId id="264" r:id="rId8"/>
+    <p:sldId id="261" r:id="rId9"/>
+    <p:sldId id="265" r:id="rId10"/>
+    <p:sldId id="262" r:id="rId11"/>
+    <p:sldId id="266" r:id="rId12"/>
+    <p:sldId id="263" r:id="rId13"/>
+    <p:sldId id="267" r:id="rId14"/>
+    <p:sldId id="268" r:id="rId15"/>
   </p:sldIdLst>
   <p:sldSz cx="12192000" cy="6858000"/>
   <p:notesSz cx="6858000" cy="9144000"/>
@@ -3691,6 +3692,117 @@
       </p:sp>
       <p:sp>
         <p:nvSpPr>
+          <p:cNvPr id="3" name="Marcador de contenido 2"/>
+          <p:cNvSpPr>
+            <a:spLocks noGrp="1"/>
+          </p:cNvSpPr>
+          <p:nvPr>
+            <p:ph idx="1"/>
+          </p:nvPr>
+        </p:nvSpPr>
+        <p:spPr/>
+        <p:txBody>
+          <a:bodyPr/>
+          <a:lstStyle/>
+          <a:p>
+            <a:pPr marL="0" indent="0">
+              <a:buNone/>
+            </a:pPr>
+            <a:r>
+              <a:rPr lang="es-ES_tradnl" dirty="0" smtClean="0"/>
+              <a:t>Se organizan </a:t>
+            </a:r>
+            <a:r>
+              <a:rPr lang="es-ES_tradnl" dirty="0"/>
+              <a:t>los componentes </a:t>
+            </a:r>
+            <a:r>
+              <a:rPr lang="es-ES_tradnl" dirty="0" smtClean="0"/>
+              <a:t>visuales </a:t>
+            </a:r>
+            <a:r>
+              <a:rPr lang="es-ES_tradnl" dirty="0"/>
+              <a:t>como en una tabla con una distribución </a:t>
+            </a:r>
+            <a:r>
+              <a:rPr lang="es-ES_tradnl" dirty="0" smtClean="0"/>
+              <a:t>típica </a:t>
+            </a:r>
+            <a:r>
+              <a:rPr lang="es-ES_tradnl" dirty="0"/>
+              <a:t>de filas y columnas</a:t>
+            </a:r>
+          </a:p>
+          <a:p>
+            <a:endParaRPr lang="es-ES_tradnl" dirty="0"/>
+          </a:p>
+          <a:p>
+            <a:endParaRPr lang="es-ES_tradnl" dirty="0"/>
+          </a:p>
+        </p:txBody>
+      </p:sp>
+    </p:spTree>
+    <p:extLst>
+      <p:ext uri="{BB962C8B-B14F-4D97-AF65-F5344CB8AC3E}">
+        <p14:creationId xmlns:p14="http://schemas.microsoft.com/office/powerpoint/2010/main" val="398005725"/>
+      </p:ext>
+    </p:extLst>
+  </p:cSld>
+  <p:clrMapOvr>
+    <a:masterClrMapping/>
+  </p:clrMapOvr>
+  <p:timing>
+    <p:tnLst>
+      <p:par>
+        <p:cTn id="1" dur="indefinite" restart="never" nodeType="tmRoot"/>
+      </p:par>
+    </p:tnLst>
+  </p:timing>
+</p:sld>
+</file>
+
+<file path=ppt/slides/slide11.xml><?xml version="1.0" encoding="utf-8"?>
+<p:sld xmlns:a="http://schemas.openxmlformats.org/drawingml/2006/main" xmlns:r="http://schemas.openxmlformats.org/officeDocument/2006/relationships" xmlns:p="http://schemas.openxmlformats.org/presentationml/2006/main">
+  <p:cSld>
+    <p:spTree>
+      <p:nvGrpSpPr>
+        <p:cNvPr id="1" name=""/>
+        <p:cNvGrpSpPr/>
+        <p:nvPr/>
+      </p:nvGrpSpPr>
+      <p:grpSpPr>
+        <a:xfrm>
+          <a:off x="0" y="0"/>
+          <a:ext cx="0" cy="0"/>
+          <a:chOff x="0" y="0"/>
+          <a:chExt cx="0" cy="0"/>
+        </a:xfrm>
+      </p:grpSpPr>
+      <p:sp>
+        <p:nvSpPr>
+          <p:cNvPr id="2" name="Título 1"/>
+          <p:cNvSpPr>
+            <a:spLocks noGrp="1"/>
+          </p:cNvSpPr>
+          <p:nvPr>
+            <p:ph type="title"/>
+          </p:nvPr>
+        </p:nvSpPr>
+        <p:spPr/>
+        <p:txBody>
+          <a:bodyPr/>
+          <a:lstStyle/>
+          <a:p>
+            <a:r>
+              <a:rPr lang="es-ES_tradnl" dirty="0" err="1" smtClean="0"/>
+              <a:t>TableLayout</a:t>
+            </a:r>
+            <a:endParaRPr lang="es-ES_tradnl" dirty="0"/>
+          </a:p>
+        </p:txBody>
+      </p:sp>
+      <p:sp>
+        <p:nvSpPr>
           <p:cNvPr id="5" name="CuadroTexto 4"/>
           <p:cNvSpPr txBox="1"/>
           <p:nvPr/>
@@ -5266,7 +5378,7 @@
 </p:sld>
 </file>
 
-<file path=ppt/slides/slide11.xml><?xml version="1.0" encoding="utf-8"?>
+<file path=ppt/slides/slide12.xml><?xml version="1.0" encoding="utf-8"?>
 <p:sld xmlns:a="http://schemas.openxmlformats.org/drawingml/2006/main" xmlns:r="http://schemas.openxmlformats.org/officeDocument/2006/relationships" xmlns:p="http://schemas.openxmlformats.org/presentationml/2006/main">
   <p:cSld>
     <p:spTree>
@@ -5374,7 +5486,7 @@
 </p:sld>
 </file>
 
-<file path=ppt/slides/slide12.xml><?xml version="1.0" encoding="utf-8"?>
+<file path=ppt/slides/slide13.xml><?xml version="1.0" encoding="utf-8"?>
 <p:sld xmlns:a="http://schemas.openxmlformats.org/drawingml/2006/main" xmlns:r="http://schemas.openxmlformats.org/officeDocument/2006/relationships" xmlns:p="http://schemas.openxmlformats.org/presentationml/2006/main">
   <p:cSld>
     <p:spTree>
@@ -6865,7 +6977,7 @@
 </p:sld>
 </file>
 
-<file path=ppt/slides/slide13.xml><?xml version="1.0" encoding="utf-8"?>
+<file path=ppt/slides/slide14.xml><?xml version="1.0" encoding="utf-8"?>
 <p:sld xmlns:a="http://schemas.openxmlformats.org/drawingml/2006/main" xmlns:r="http://schemas.openxmlformats.org/officeDocument/2006/relationships" xmlns:p="http://schemas.openxmlformats.org/presentationml/2006/main">
   <p:cSld>
     <p:spTree>
@@ -7267,6 +7379,204 @@
           <a:lstStyle/>
           <a:p>
             <a:r>
+              <a:rPr lang="es-ES_tradnl" dirty="0" err="1" smtClean="0"/>
+              <a:t>Jerarqu</a:t>
+            </a:r>
+            <a:r>
+              <a:rPr lang="es-ES" dirty="0" err="1" smtClean="0"/>
+              <a:t>ía</a:t>
+            </a:r>
+            <a:r>
+              <a:rPr lang="es-ES" dirty="0" smtClean="0"/>
+              <a:t> de clases </a:t>
+            </a:r>
+            <a:r>
+              <a:rPr lang="es-ES" dirty="0" err="1" smtClean="0"/>
+              <a:t>AndroiD</a:t>
+            </a:r>
+            <a:endParaRPr lang="es-ES_tradnl" dirty="0"/>
+          </a:p>
+        </p:txBody>
+      </p:sp>
+      <p:pic>
+        <p:nvPicPr>
+          <p:cNvPr id="4" name="Marcador de contenido 3"/>
+          <p:cNvPicPr>
+            <a:picLocks noGrp="1" noChangeAspect="1"/>
+          </p:cNvPicPr>
+          <p:nvPr>
+            <p:ph idx="1"/>
+          </p:nvPr>
+        </p:nvPicPr>
+        <p:blipFill>
+          <a:blip r:embed="rId2">
+            <a:extLst>
+              <a:ext uri="{28A0092B-C50C-407E-A947-70E740481C1C}">
+                <a14:useLocalDpi xmlns:a14="http://schemas.microsoft.com/office/drawing/2010/main" val="0"/>
+              </a:ext>
+            </a:extLst>
+          </a:blip>
+          <a:stretch>
+            <a:fillRect/>
+          </a:stretch>
+        </p:blipFill>
+        <p:spPr>
+          <a:xfrm>
+            <a:off x="5460004" y="2394498"/>
+            <a:ext cx="5594850" cy="2981544"/>
+          </a:xfrm>
+        </p:spPr>
+      </p:pic>
+      <p:sp>
+        <p:nvSpPr>
+          <p:cNvPr id="6" name="CuadroTexto 5"/>
+          <p:cNvSpPr txBox="1"/>
+          <p:nvPr/>
+        </p:nvSpPr>
+        <p:spPr>
+          <a:xfrm>
+            <a:off x="1412884" y="2473324"/>
+            <a:ext cx="4040530" cy="2246769"/>
+          </a:xfrm>
+          <a:prstGeom prst="rect">
+            <a:avLst/>
+          </a:prstGeom>
+          <a:noFill/>
+        </p:spPr>
+        <p:txBody>
+          <a:bodyPr wrap="none" rtlCol="0">
+            <a:spAutoFit/>
+          </a:bodyPr>
+          <a:lstStyle/>
+          <a:p>
+            <a:r>
+              <a:rPr lang="es-ES_tradnl" sz="2000" dirty="0" smtClean="0"/>
+              <a:t>Todo </a:t>
+            </a:r>
+            <a:r>
+              <a:rPr lang="es-ES" sz="2000" dirty="0" smtClean="0"/>
+              <a:t>ítem de la interfaz </a:t>
+            </a:r>
+          </a:p>
+          <a:p>
+            <a:r>
+              <a:rPr lang="es-ES" sz="2000" dirty="0" smtClean="0"/>
+              <a:t>es una clase hija de View</a:t>
+            </a:r>
+          </a:p>
+          <a:p>
+            <a:pPr marL="285750" indent="-285750">
+              <a:buFont typeface="Arial" charset="0"/>
+              <a:buChar char="•"/>
+            </a:pPr>
+            <a:r>
+              <a:rPr lang="es-ES" sz="2000" dirty="0" err="1" smtClean="0"/>
+              <a:t>android.view.View</a:t>
+            </a:r>
+            <a:r>
+              <a:rPr lang="es-ES" sz="2000" dirty="0" smtClean="0"/>
+              <a:t> es la clase base</a:t>
+            </a:r>
+          </a:p>
+          <a:p>
+            <a:pPr marL="285750" indent="-285750">
+              <a:buFont typeface="Arial" charset="0"/>
+              <a:buChar char="•"/>
+            </a:pPr>
+            <a:r>
+              <a:rPr lang="es-ES" sz="2000" dirty="0" err="1" smtClean="0"/>
+              <a:t>android.view.ViewGroup</a:t>
+            </a:r>
+            <a:r>
+              <a:rPr lang="es-ES" sz="2000" dirty="0" smtClean="0"/>
+              <a:t> puede </a:t>
+            </a:r>
+            <a:br>
+              <a:rPr lang="es-ES" sz="2000" dirty="0" smtClean="0"/>
+            </a:br>
+            <a:r>
+              <a:rPr lang="es-ES" sz="2000" dirty="0" smtClean="0"/>
+              <a:t>contener hijas View</a:t>
+            </a:r>
+          </a:p>
+          <a:p>
+            <a:pPr marL="285750" indent="-285750">
+              <a:buFont typeface="Arial" charset="0"/>
+              <a:buChar char="•"/>
+            </a:pPr>
+            <a:r>
+              <a:rPr lang="es-ES" sz="2000" dirty="0" smtClean="0"/>
+              <a:t>Cualquier </a:t>
+            </a:r>
+            <a:r>
+              <a:rPr lang="es-ES" sz="2000" dirty="0" err="1" smtClean="0"/>
+              <a:t>Layout</a:t>
+            </a:r>
+            <a:r>
+              <a:rPr lang="es-ES" sz="2000" dirty="0" smtClean="0"/>
+              <a:t> es descendiente </a:t>
+            </a:r>
+            <a:br>
+              <a:rPr lang="es-ES" sz="2000" dirty="0" smtClean="0"/>
+            </a:br>
+            <a:r>
+              <a:rPr lang="es-ES" sz="2000" dirty="0" smtClean="0"/>
+              <a:t>de </a:t>
+            </a:r>
+            <a:r>
+              <a:rPr lang="es-ES" sz="2000" dirty="0" err="1" smtClean="0"/>
+              <a:t>ViewGroup</a:t>
+            </a:r>
+            <a:endParaRPr lang="es-ES_tradnl" sz="2000" dirty="0"/>
+          </a:p>
+        </p:txBody>
+      </p:sp>
+    </p:spTree>
+    <p:extLst>
+      <p:ext uri="{BB962C8B-B14F-4D97-AF65-F5344CB8AC3E}">
+        <p14:creationId xmlns:p14="http://schemas.microsoft.com/office/powerpoint/2010/main" val="1769802943"/>
+      </p:ext>
+    </p:extLst>
+  </p:cSld>
+  <p:clrMapOvr>
+    <a:masterClrMapping/>
+  </p:clrMapOvr>
+</p:sld>
+</file>
+
+<file path=ppt/slides/slide4.xml><?xml version="1.0" encoding="utf-8"?>
+<p:sld xmlns:a="http://schemas.openxmlformats.org/drawingml/2006/main" xmlns:r="http://schemas.openxmlformats.org/officeDocument/2006/relationships" xmlns:p="http://schemas.openxmlformats.org/presentationml/2006/main">
+  <p:cSld>
+    <p:spTree>
+      <p:nvGrpSpPr>
+        <p:cNvPr id="1" name=""/>
+        <p:cNvGrpSpPr/>
+        <p:nvPr/>
+      </p:nvGrpSpPr>
+      <p:grpSpPr>
+        <a:xfrm>
+          <a:off x="0" y="0"/>
+          <a:ext cx="0" cy="0"/>
+          <a:chOff x="0" y="0"/>
+          <a:chExt cx="0" cy="0"/>
+        </a:xfrm>
+      </p:grpSpPr>
+      <p:sp>
+        <p:nvSpPr>
+          <p:cNvPr id="2" name="Título 1"/>
+          <p:cNvSpPr>
+            <a:spLocks noGrp="1"/>
+          </p:cNvSpPr>
+          <p:nvPr>
+            <p:ph type="title"/>
+          </p:nvPr>
+        </p:nvSpPr>
+        <p:spPr/>
+        <p:txBody>
+          <a:bodyPr/>
+          <a:lstStyle/>
+          <a:p>
+            <a:r>
               <a:rPr lang="es-ES_tradnl" dirty="0" smtClean="0"/>
               <a:t>Tipos de </a:t>
             </a:r>
@@ -7351,7 +7661,7 @@
 </p:sld>
 </file>
 
-<file path=ppt/slides/slide4.xml><?xml version="1.0" encoding="utf-8"?>
+<file path=ppt/slides/slide5.xml><?xml version="1.0" encoding="utf-8"?>
 <p:sld xmlns:a="http://schemas.openxmlformats.org/drawingml/2006/main" xmlns:r="http://schemas.openxmlformats.org/officeDocument/2006/relationships" xmlns:p="http://schemas.openxmlformats.org/presentationml/2006/main">
   <p:cSld>
     <p:spTree>
@@ -8391,7 +8701,7 @@
 </p:sld>
 </file>
 
-<file path=ppt/slides/slide5.xml><?xml version="1.0" encoding="utf-8"?>
+<file path=ppt/slides/slide6.xml><?xml version="1.0" encoding="utf-8"?>
 <p:sld xmlns:a="http://schemas.openxmlformats.org/drawingml/2006/main" xmlns:r="http://schemas.openxmlformats.org/officeDocument/2006/relationships" xmlns:p="http://schemas.openxmlformats.org/presentationml/2006/main">
   <p:cSld>
     <p:spTree>
@@ -8503,7 +8813,7 @@
 </p:sld>
 </file>
 
-<file path=ppt/slides/slide6.xml><?xml version="1.0" encoding="utf-8"?>
+<file path=ppt/slides/slide7.xml><?xml version="1.0" encoding="utf-8"?>
 <p:sld xmlns:a="http://schemas.openxmlformats.org/drawingml/2006/main" xmlns:r="http://schemas.openxmlformats.org/officeDocument/2006/relationships" xmlns:p="http://schemas.openxmlformats.org/presentationml/2006/main">
   <p:cSld>
     <p:spTree>
@@ -10063,167 +10373,6 @@
 </p:sld>
 </file>
 
-<file path=ppt/slides/slide7.xml><?xml version="1.0" encoding="utf-8"?>
-<p:sld xmlns:a="http://schemas.openxmlformats.org/drawingml/2006/main" xmlns:r="http://schemas.openxmlformats.org/officeDocument/2006/relationships" xmlns:p="http://schemas.openxmlformats.org/presentationml/2006/main">
-  <p:cSld>
-    <p:spTree>
-      <p:nvGrpSpPr>
-        <p:cNvPr id="1" name=""/>
-        <p:cNvGrpSpPr/>
-        <p:nvPr/>
-      </p:nvGrpSpPr>
-      <p:grpSpPr>
-        <a:xfrm>
-          <a:off x="0" y="0"/>
-          <a:ext cx="0" cy="0"/>
-          <a:chOff x="0" y="0"/>
-          <a:chExt cx="0" cy="0"/>
-        </a:xfrm>
-      </p:grpSpPr>
-      <p:sp>
-        <p:nvSpPr>
-          <p:cNvPr id="2" name="Título 1"/>
-          <p:cNvSpPr>
-            <a:spLocks noGrp="1"/>
-          </p:cNvSpPr>
-          <p:nvPr>
-            <p:ph type="title"/>
-          </p:nvPr>
-        </p:nvSpPr>
-        <p:spPr/>
-        <p:txBody>
-          <a:bodyPr/>
-          <a:lstStyle/>
-          <a:p>
-            <a:r>
-              <a:rPr lang="es-ES_tradnl" dirty="0" err="1" smtClean="0"/>
-              <a:t>RelativeLayout</a:t>
-            </a:r>
-            <a:endParaRPr lang="es-ES_tradnl" dirty="0"/>
-          </a:p>
-        </p:txBody>
-      </p:sp>
-      <p:sp>
-        <p:nvSpPr>
-          <p:cNvPr id="3" name="Marcador de contenido 2"/>
-          <p:cNvSpPr>
-            <a:spLocks noGrp="1"/>
-          </p:cNvSpPr>
-          <p:nvPr>
-            <p:ph idx="1"/>
-          </p:nvPr>
-        </p:nvSpPr>
-        <p:spPr/>
-        <p:txBody>
-          <a:bodyPr/>
-          <a:lstStyle/>
-          <a:p>
-            <a:pPr marL="0" indent="0">
-              <a:buNone/>
-            </a:pPr>
-            <a:r>
-              <a:rPr lang="es-ES_tradnl" dirty="0"/>
-              <a:t>La posición de un componente </a:t>
-            </a:r>
-            <a:r>
-              <a:rPr lang="es-ES_tradnl" dirty="0" smtClean="0"/>
-              <a:t>visual </a:t>
-            </a:r>
-            <a:r>
-              <a:rPr lang="es-ES_tradnl" dirty="0"/>
-              <a:t>será relativa al propio </a:t>
-            </a:r>
-            <a:r>
-              <a:rPr lang="es-ES_tradnl" dirty="0" err="1"/>
-              <a:t>layout</a:t>
-            </a:r>
-            <a:r>
-              <a:rPr lang="es-ES_tradnl" dirty="0"/>
-              <a:t> padre o a </a:t>
-            </a:r>
-            <a:r>
-              <a:rPr lang="es-ES_tradnl" dirty="0" smtClean="0"/>
-              <a:t>cualquier </a:t>
-            </a:r>
-            <a:r>
-              <a:rPr lang="es-ES_tradnl" dirty="0"/>
-              <a:t>otro componente incluido en el mismo </a:t>
-            </a:r>
-            <a:r>
-              <a:rPr lang="es-ES_tradnl" dirty="0" smtClean="0"/>
-              <a:t>con </a:t>
-            </a:r>
-            <a:r>
-              <a:rPr lang="es-ES_tradnl" dirty="0"/>
-              <a:t>directivas como: </a:t>
-            </a:r>
-            <a:endParaRPr lang="es-ES_tradnl" dirty="0" smtClean="0"/>
-          </a:p>
-          <a:p>
-            <a:r>
-              <a:rPr lang="es-ES_tradnl" dirty="0" smtClean="0"/>
-              <a:t>centrarse </a:t>
-            </a:r>
-            <a:r>
-              <a:rPr lang="es-ES_tradnl" dirty="0"/>
-              <a:t>horizontalmente </a:t>
-            </a:r>
-            <a:r>
-              <a:rPr lang="es-ES_tradnl" dirty="0" smtClean="0"/>
-              <a:t>o </a:t>
-            </a:r>
-            <a:r>
-              <a:rPr lang="es-ES_tradnl" dirty="0"/>
-              <a:t>verticalmente dentro del </a:t>
-            </a:r>
-            <a:r>
-              <a:rPr lang="es-ES_tradnl" dirty="0" smtClean="0"/>
-              <a:t>padre</a:t>
-            </a:r>
-          </a:p>
-          <a:p>
-            <a:r>
-              <a:rPr lang="es-ES_tradnl" dirty="0" smtClean="0"/>
-              <a:t>posicionarse </a:t>
-            </a:r>
-            <a:r>
-              <a:rPr lang="es-ES_tradnl" dirty="0"/>
-              <a:t>arriba o </a:t>
-            </a:r>
-            <a:r>
-              <a:rPr lang="es-ES_tradnl" dirty="0" smtClean="0"/>
-              <a:t>debajo </a:t>
-            </a:r>
-            <a:r>
-              <a:rPr lang="es-ES_tradnl" dirty="0"/>
-              <a:t>de otro componente o a la izquierda o derecha. </a:t>
-            </a:r>
-          </a:p>
-          <a:p>
-            <a:endParaRPr lang="es-ES_tradnl" dirty="0"/>
-          </a:p>
-        </p:txBody>
-      </p:sp>
-    </p:spTree>
-    <p:extLst>
-      <p:ext uri="{BB962C8B-B14F-4D97-AF65-F5344CB8AC3E}">
-        <p14:creationId xmlns:p14="http://schemas.microsoft.com/office/powerpoint/2010/main" val="2114555985"/>
-      </p:ext>
-    </p:extLst>
-  </p:cSld>
-  <p:clrMapOvr>
-    <a:masterClrMapping/>
-  </p:clrMapOvr>
-  <p:timing>
-    <p:tnLst>
-      <p:par>
-        <p:cTn id="1" dur="indefinite" restart="never" nodeType="tmRoot"/>
-      </p:par>
-    </p:tnLst>
-  </p:timing>
-</p:sld>
-</file>
-
 <file path=ppt/slides/slide8.xml><?xml version="1.0" encoding="utf-8"?>
 <p:sld xmlns:a="http://schemas.openxmlformats.org/drawingml/2006/main" xmlns:r="http://schemas.openxmlformats.org/officeDocument/2006/relationships" xmlns:p="http://schemas.openxmlformats.org/presentationml/2006/main">
   <p:cSld>
@@ -10266,1733 +10415,109 @@
       </p:sp>
       <p:sp>
         <p:nvSpPr>
-          <p:cNvPr id="5" name="CuadroTexto 4"/>
-          <p:cNvSpPr txBox="1"/>
-          <p:nvPr/>
+          <p:cNvPr id="3" name="Marcador de contenido 2"/>
+          <p:cNvSpPr>
+            <a:spLocks noGrp="1"/>
+          </p:cNvSpPr>
+          <p:nvPr>
+            <p:ph idx="1"/>
+          </p:nvPr>
         </p:nvSpPr>
-        <p:spPr>
-          <a:xfrm>
-            <a:off x="2932386" y="2144110"/>
-            <a:ext cx="9096703" cy="4616648"/>
-          </a:xfrm>
-          <a:prstGeom prst="rect">
-            <a:avLst/>
-          </a:prstGeom>
-          <a:solidFill>
-            <a:schemeClr val="tx1"/>
-          </a:solidFill>
-        </p:spPr>
+        <p:spPr/>
         <p:txBody>
-          <a:bodyPr wrap="square" rtlCol="0">
-            <a:spAutoFit/>
-          </a:bodyPr>
+          <a:bodyPr/>
           <a:lstStyle/>
           <a:p>
-            <a:r>
-              <a:rPr lang="es-ES_tradnl" sz="1200" i="1" dirty="0">
-                <a:solidFill>
-                  <a:schemeClr val="bg1"/>
-                </a:solidFill>
-              </a:rPr>
-              <a:t>&lt;?</a:t>
-            </a:r>
-            <a:r>
-              <a:rPr lang="es-ES_tradnl" sz="1200" b="1" dirty="0" err="1">
-                <a:solidFill>
-                  <a:schemeClr val="bg1"/>
-                </a:solidFill>
-              </a:rPr>
-              <a:t>xml</a:t>
-            </a:r>
-            <a:r>
-              <a:rPr lang="es-ES_tradnl" sz="1200" b="1" dirty="0">
-                <a:solidFill>
-                  <a:schemeClr val="bg1"/>
-                </a:solidFill>
-              </a:rPr>
-              <a:t> </a:t>
-            </a:r>
-            <a:r>
-              <a:rPr lang="es-ES_tradnl" sz="1200" b="1" dirty="0" err="1">
-                <a:solidFill>
-                  <a:schemeClr val="bg1"/>
-                </a:solidFill>
-              </a:rPr>
-              <a:t>version</a:t>
-            </a:r>
-            <a:r>
-              <a:rPr lang="es-ES_tradnl" sz="1200" b="1" dirty="0">
-                <a:solidFill>
-                  <a:schemeClr val="bg1"/>
-                </a:solidFill>
-              </a:rPr>
-              <a:t>="1.0" </a:t>
-            </a:r>
-            <a:r>
-              <a:rPr lang="es-ES_tradnl" sz="1200" b="1" dirty="0" err="1">
-                <a:solidFill>
-                  <a:schemeClr val="bg1"/>
-                </a:solidFill>
-              </a:rPr>
-              <a:t>encoding</a:t>
-            </a:r>
-            <a:r>
-              <a:rPr lang="es-ES_tradnl" sz="1200" b="1" dirty="0">
-                <a:solidFill>
-                  <a:schemeClr val="bg1"/>
-                </a:solidFill>
-              </a:rPr>
-              <a:t>="utf-8"</a:t>
-            </a:r>
-            <a:r>
-              <a:rPr lang="es-ES_tradnl" sz="1200" i="1" dirty="0">
-                <a:solidFill>
-                  <a:schemeClr val="bg1"/>
-                </a:solidFill>
-              </a:rPr>
-              <a:t>?&gt;</a:t>
-            </a:r>
-            <a:br>
-              <a:rPr lang="es-ES_tradnl" sz="1200" i="1" dirty="0">
-                <a:solidFill>
-                  <a:schemeClr val="bg1"/>
-                </a:solidFill>
-              </a:rPr>
-            </a:br>
-            <a:r>
-              <a:rPr lang="es-ES_tradnl" sz="1200" dirty="0">
-                <a:solidFill>
-                  <a:schemeClr val="bg1"/>
-                </a:solidFill>
-              </a:rPr>
-              <a:t>&lt;</a:t>
-            </a:r>
-            <a:r>
-              <a:rPr lang="es-ES_tradnl" sz="1200" b="1" dirty="0" err="1">
-                <a:solidFill>
-                  <a:schemeClr val="bg1"/>
-                </a:solidFill>
-              </a:rPr>
-              <a:t>RelativeLayout</a:t>
-            </a:r>
-            <a:r>
-              <a:rPr lang="es-ES_tradnl" sz="1200" b="1" dirty="0">
-                <a:solidFill>
-                  <a:schemeClr val="bg1"/>
-                </a:solidFill>
-              </a:rPr>
-              <a:t> </a:t>
-            </a:r>
-            <a:r>
-              <a:rPr lang="es-ES_tradnl" sz="1200" b="1" dirty="0" err="1" smtClean="0">
-                <a:solidFill>
-                  <a:schemeClr val="bg1"/>
-                </a:solidFill>
-              </a:rPr>
-              <a:t>android:layout_width</a:t>
-            </a:r>
-            <a:r>
-              <a:rPr lang="es-ES_tradnl" sz="1200" b="1" dirty="0">
-                <a:solidFill>
-                  <a:schemeClr val="bg1"/>
-                </a:solidFill>
-              </a:rPr>
-              <a:t>="</a:t>
-            </a:r>
-            <a:r>
-              <a:rPr lang="es-ES_tradnl" sz="1200" b="1" dirty="0" err="1">
-                <a:solidFill>
-                  <a:schemeClr val="bg1"/>
-                </a:solidFill>
-              </a:rPr>
-              <a:t>match_parent</a:t>
-            </a:r>
-            <a:r>
-              <a:rPr lang="es-ES_tradnl" sz="1200" b="1" dirty="0" smtClean="0">
-                <a:solidFill>
-                  <a:schemeClr val="bg1"/>
-                </a:solidFill>
-              </a:rPr>
-              <a:t>" </a:t>
-            </a:r>
-            <a:r>
-              <a:rPr lang="es-ES_tradnl" sz="1200" b="1" dirty="0" err="1">
-                <a:solidFill>
-                  <a:schemeClr val="bg1"/>
-                </a:solidFill>
-              </a:rPr>
-              <a:t>android:layout_height</a:t>
-            </a:r>
-            <a:r>
-              <a:rPr lang="es-ES_tradnl" sz="1200" b="1" dirty="0">
-                <a:solidFill>
-                  <a:schemeClr val="bg1"/>
-                </a:solidFill>
-              </a:rPr>
-              <a:t>="</a:t>
-            </a:r>
-            <a:r>
-              <a:rPr lang="es-ES_tradnl" sz="1200" b="1" dirty="0" err="1">
-                <a:solidFill>
-                  <a:schemeClr val="bg1"/>
-                </a:solidFill>
-              </a:rPr>
-              <a:t>match_parent</a:t>
-            </a:r>
-            <a:r>
-              <a:rPr lang="es-ES_tradnl" sz="1200" b="1" dirty="0" smtClean="0">
-                <a:solidFill>
-                  <a:schemeClr val="bg1"/>
-                </a:solidFill>
-              </a:rPr>
-              <a:t>" </a:t>
-            </a:r>
-            <a:r>
-              <a:rPr lang="es-ES_tradnl" sz="1200" b="1" dirty="0" err="1">
-                <a:solidFill>
-                  <a:schemeClr val="bg1"/>
-                </a:solidFill>
-              </a:rPr>
-              <a:t>android:gravity</a:t>
-            </a:r>
-            <a:r>
-              <a:rPr lang="es-ES_tradnl" sz="1200" b="1" dirty="0">
-                <a:solidFill>
-                  <a:schemeClr val="bg1"/>
-                </a:solidFill>
-              </a:rPr>
-              <a:t>="center"</a:t>
-            </a:r>
-            <a:r>
-              <a:rPr lang="es-ES_tradnl" sz="1200" dirty="0">
-                <a:solidFill>
-                  <a:schemeClr val="bg1"/>
-                </a:solidFill>
-              </a:rPr>
-              <a:t>&gt;</a:t>
-            </a:r>
-            <a:br>
-              <a:rPr lang="es-ES_tradnl" sz="1200" dirty="0">
-                <a:solidFill>
-                  <a:schemeClr val="bg1"/>
-                </a:solidFill>
-              </a:rPr>
-            </a:br>
-            <a:r>
-              <a:rPr lang="es-ES_tradnl" sz="1200" dirty="0">
-                <a:solidFill>
-                  <a:schemeClr val="bg1"/>
-                </a:solidFill>
-              </a:rPr>
-              <a:t/>
-            </a:r>
-            <a:br>
-              <a:rPr lang="es-ES_tradnl" sz="1200" dirty="0">
-                <a:solidFill>
-                  <a:schemeClr val="bg1"/>
-                </a:solidFill>
-              </a:rPr>
-            </a:br>
-            <a:r>
-              <a:rPr lang="es-ES_tradnl" sz="1200" dirty="0">
-                <a:solidFill>
-                  <a:schemeClr val="bg1"/>
-                </a:solidFill>
-              </a:rPr>
-              <a:t>    &lt;</a:t>
-            </a:r>
-            <a:r>
-              <a:rPr lang="es-ES_tradnl" sz="1200" b="1" dirty="0" err="1" smtClean="0">
-                <a:solidFill>
-                  <a:schemeClr val="bg1"/>
-                </a:solidFill>
-              </a:rPr>
-              <a:t>ImageView</a:t>
-            </a:r>
-            <a:r>
-              <a:rPr lang="es-ES_tradnl" sz="1200" b="1" dirty="0" smtClean="0">
-                <a:solidFill>
-                  <a:schemeClr val="bg1"/>
-                </a:solidFill>
-              </a:rPr>
-              <a:t>  </a:t>
-            </a:r>
-            <a:r>
-              <a:rPr lang="es-ES_tradnl" sz="1200" b="1" dirty="0" err="1">
-                <a:solidFill>
-                  <a:schemeClr val="bg1"/>
-                </a:solidFill>
-              </a:rPr>
-              <a:t>android:layout_width</a:t>
-            </a:r>
-            <a:r>
-              <a:rPr lang="es-ES_tradnl" sz="1200" b="1" dirty="0">
-                <a:solidFill>
-                  <a:schemeClr val="bg1"/>
-                </a:solidFill>
-              </a:rPr>
-              <a:t>="</a:t>
-            </a:r>
-            <a:r>
-              <a:rPr lang="es-ES_tradnl" sz="1200" b="1" dirty="0" smtClean="0">
-                <a:solidFill>
-                  <a:schemeClr val="bg1"/>
-                </a:solidFill>
-              </a:rPr>
-              <a:t>210dp” </a:t>
-            </a:r>
-            <a:r>
-              <a:rPr lang="es-ES_tradnl" sz="1200" b="1" dirty="0" err="1" smtClean="0">
-                <a:solidFill>
-                  <a:schemeClr val="bg1"/>
-                </a:solidFill>
-              </a:rPr>
-              <a:t>android:layout_height</a:t>
-            </a:r>
-            <a:r>
-              <a:rPr lang="es-ES_tradnl" sz="1200" b="1" dirty="0">
-                <a:solidFill>
-                  <a:schemeClr val="bg1"/>
-                </a:solidFill>
-              </a:rPr>
-              <a:t>="210dp</a:t>
-            </a:r>
-            <a:r>
-              <a:rPr lang="es-ES_tradnl" sz="1200" b="1" dirty="0" smtClean="0">
-                <a:solidFill>
-                  <a:schemeClr val="bg1"/>
-                </a:solidFill>
-              </a:rPr>
-              <a:t>" </a:t>
-            </a:r>
-            <a:r>
-              <a:rPr lang="es-ES_tradnl" sz="1200" b="1" dirty="0" err="1">
-                <a:solidFill>
-                  <a:schemeClr val="bg1"/>
-                </a:solidFill>
-              </a:rPr>
-              <a:t>android:id</a:t>
-            </a:r>
-            <a:r>
-              <a:rPr lang="es-ES_tradnl" sz="1200" b="1" dirty="0">
-                <a:solidFill>
-                  <a:schemeClr val="bg1"/>
-                </a:solidFill>
-              </a:rPr>
-              <a:t>="@+</a:t>
-            </a:r>
-            <a:r>
-              <a:rPr lang="es-ES_tradnl" sz="1200" b="1" dirty="0" smtClean="0">
-                <a:solidFill>
-                  <a:schemeClr val="bg1"/>
-                </a:solidFill>
-              </a:rPr>
-              <a:t>id/</a:t>
-            </a:r>
-            <a:r>
-              <a:rPr lang="es-ES_tradnl" sz="1200" b="1" dirty="0" err="1" smtClean="0">
-                <a:solidFill>
-                  <a:schemeClr val="bg1"/>
-                </a:solidFill>
-              </a:rPr>
-              <a:t>imageView</a:t>
-            </a:r>
-            <a:r>
-              <a:rPr lang="es-ES_tradnl" sz="1200" b="1" dirty="0" smtClean="0">
-                <a:solidFill>
-                  <a:schemeClr val="bg1"/>
-                </a:solidFill>
-              </a:rPr>
-              <a:t>"</a:t>
-            </a:r>
-            <a:br>
-              <a:rPr lang="es-ES_tradnl" sz="1200" b="1" dirty="0" smtClean="0">
-                <a:solidFill>
-                  <a:schemeClr val="bg1"/>
-                </a:solidFill>
-              </a:rPr>
-            </a:br>
-            <a:r>
-              <a:rPr lang="es-ES_tradnl" sz="1200" b="1" dirty="0" smtClean="0">
-                <a:solidFill>
-                  <a:schemeClr val="bg1"/>
-                </a:solidFill>
-              </a:rPr>
-              <a:t>        </a:t>
-            </a:r>
-            <a:r>
-              <a:rPr lang="es-ES_tradnl" sz="1200" b="1" dirty="0" err="1" smtClean="0">
-                <a:solidFill>
-                  <a:schemeClr val="bg1"/>
-                </a:solidFill>
-              </a:rPr>
-              <a:t>android:src</a:t>
-            </a:r>
-            <a:r>
-              <a:rPr lang="es-ES_tradnl" sz="1200" b="1" dirty="0">
-                <a:solidFill>
-                  <a:schemeClr val="bg1"/>
-                </a:solidFill>
-              </a:rPr>
-              <a:t>="@</a:t>
-            </a:r>
-            <a:r>
-              <a:rPr lang="es-ES_tradnl" sz="1200" b="1" dirty="0" err="1">
-                <a:solidFill>
-                  <a:schemeClr val="bg1"/>
-                </a:solidFill>
-              </a:rPr>
-              <a:t>drawable</a:t>
-            </a:r>
-            <a:r>
-              <a:rPr lang="es-ES_tradnl" sz="1200" b="1" dirty="0">
-                <a:solidFill>
-                  <a:schemeClr val="bg1"/>
-                </a:solidFill>
-              </a:rPr>
-              <a:t>/</a:t>
-            </a:r>
-            <a:r>
-              <a:rPr lang="es-ES_tradnl" sz="1200" b="1" dirty="0" err="1">
-                <a:solidFill>
-                  <a:schemeClr val="bg1"/>
-                </a:solidFill>
-              </a:rPr>
-              <a:t>imatia</a:t>
-            </a:r>
-            <a:r>
-              <a:rPr lang="es-ES_tradnl" sz="1200" b="1" dirty="0" smtClean="0">
-                <a:solidFill>
-                  <a:schemeClr val="bg1"/>
-                </a:solidFill>
-              </a:rPr>
-              <a:t>" </a:t>
-            </a:r>
-            <a:r>
-              <a:rPr lang="es-ES_tradnl" sz="1200" b="1" dirty="0" err="1">
-                <a:solidFill>
-                  <a:schemeClr val="bg1"/>
-                </a:solidFill>
-              </a:rPr>
-              <a:t>android:cropToPadding</a:t>
-            </a:r>
-            <a:r>
-              <a:rPr lang="es-ES_tradnl" sz="1200" b="1" dirty="0">
-                <a:solidFill>
-                  <a:schemeClr val="bg1"/>
-                </a:solidFill>
-              </a:rPr>
-              <a:t>="true</a:t>
-            </a:r>
-            <a:r>
-              <a:rPr lang="es-ES_tradnl" sz="1200" b="1" dirty="0" smtClean="0">
-                <a:solidFill>
-                  <a:schemeClr val="bg1"/>
-                </a:solidFill>
-              </a:rPr>
-              <a:t>" </a:t>
-            </a:r>
-            <a:r>
-              <a:rPr lang="es-ES_tradnl" sz="1200" b="1" dirty="0" err="1">
-                <a:solidFill>
-                  <a:schemeClr val="bg1"/>
-                </a:solidFill>
-              </a:rPr>
-              <a:t>android:alpha</a:t>
-            </a:r>
-            <a:r>
-              <a:rPr lang="es-ES_tradnl" sz="1200" b="1" dirty="0">
-                <a:solidFill>
-                  <a:schemeClr val="bg1"/>
-                </a:solidFill>
-              </a:rPr>
-              <a:t>="0.2</a:t>
-            </a:r>
-            <a:r>
-              <a:rPr lang="es-ES_tradnl" sz="1200" b="1" dirty="0" smtClean="0">
-                <a:solidFill>
-                  <a:schemeClr val="bg1"/>
-                </a:solidFill>
-              </a:rPr>
-              <a:t>" </a:t>
-            </a:r>
-            <a:r>
-              <a:rPr lang="es-ES_tradnl" sz="1200" b="1" dirty="0" err="1">
-                <a:solidFill>
-                  <a:schemeClr val="bg1"/>
-                </a:solidFill>
-              </a:rPr>
-              <a:t>android:layout_centerHorizontal</a:t>
-            </a:r>
-            <a:r>
-              <a:rPr lang="es-ES_tradnl" sz="1200" b="1" dirty="0">
-                <a:solidFill>
-                  <a:schemeClr val="bg1"/>
-                </a:solidFill>
-              </a:rPr>
-              <a:t>="true" </a:t>
-            </a:r>
-            <a:r>
-              <a:rPr lang="es-ES_tradnl" sz="1200" dirty="0">
-                <a:solidFill>
-                  <a:schemeClr val="bg1"/>
-                </a:solidFill>
-              </a:rPr>
-              <a:t>/&gt;</a:t>
-            </a:r>
-            <a:br>
-              <a:rPr lang="es-ES_tradnl" sz="1200" dirty="0">
-                <a:solidFill>
-                  <a:schemeClr val="bg1"/>
-                </a:solidFill>
-              </a:rPr>
-            </a:br>
-            <a:r>
-              <a:rPr lang="es-ES_tradnl" sz="1200" dirty="0">
-                <a:solidFill>
-                  <a:schemeClr val="bg1"/>
-                </a:solidFill>
-              </a:rPr>
-              <a:t/>
-            </a:r>
-            <a:br>
-              <a:rPr lang="es-ES_tradnl" sz="1200" dirty="0">
-                <a:solidFill>
-                  <a:schemeClr val="bg1"/>
-                </a:solidFill>
-              </a:rPr>
-            </a:br>
-            <a:r>
-              <a:rPr lang="es-ES_tradnl" sz="1200" dirty="0">
-                <a:solidFill>
-                  <a:schemeClr val="bg1"/>
-                </a:solidFill>
-              </a:rPr>
-              <a:t>    &lt;</a:t>
-            </a:r>
-            <a:r>
-              <a:rPr lang="es-ES_tradnl" sz="1200" b="1" dirty="0" err="1" smtClean="0">
-                <a:solidFill>
-                  <a:schemeClr val="bg1"/>
-                </a:solidFill>
-              </a:rPr>
-              <a:t>EditText</a:t>
-            </a:r>
-            <a:r>
-              <a:rPr lang="es-ES_tradnl" sz="1200" b="1" dirty="0" smtClean="0">
-                <a:solidFill>
-                  <a:schemeClr val="bg1"/>
-                </a:solidFill>
-              </a:rPr>
-              <a:t> </a:t>
-            </a:r>
-            <a:r>
-              <a:rPr lang="es-ES_tradnl" sz="1200" b="1" dirty="0" err="1">
-                <a:solidFill>
-                  <a:schemeClr val="bg1"/>
-                </a:solidFill>
-              </a:rPr>
-              <a:t>android:layout_width</a:t>
-            </a:r>
-            <a:r>
-              <a:rPr lang="es-ES_tradnl" sz="1200" b="1" dirty="0">
-                <a:solidFill>
-                  <a:schemeClr val="bg1"/>
-                </a:solidFill>
-              </a:rPr>
-              <a:t>="</a:t>
-            </a:r>
-            <a:r>
-              <a:rPr lang="es-ES_tradnl" sz="1200" b="1" dirty="0" err="1" smtClean="0">
-                <a:solidFill>
-                  <a:schemeClr val="bg1"/>
-                </a:solidFill>
-              </a:rPr>
-              <a:t>match_parent</a:t>
-            </a:r>
-            <a:r>
-              <a:rPr lang="es-ES_tradnl" sz="1200" b="1" dirty="0" smtClean="0">
-                <a:solidFill>
-                  <a:schemeClr val="bg1"/>
-                </a:solidFill>
-              </a:rPr>
-              <a:t>” </a:t>
-            </a:r>
-            <a:r>
-              <a:rPr lang="es-ES_tradnl" sz="1200" b="1" dirty="0" err="1" smtClean="0">
-                <a:solidFill>
-                  <a:schemeClr val="bg1"/>
-                </a:solidFill>
-              </a:rPr>
-              <a:t>android:layout_height</a:t>
-            </a:r>
-            <a:r>
-              <a:rPr lang="es-ES_tradnl" sz="1200" b="1" dirty="0">
-                <a:solidFill>
-                  <a:schemeClr val="bg1"/>
-                </a:solidFill>
-              </a:rPr>
-              <a:t>="</a:t>
-            </a:r>
-            <a:r>
-              <a:rPr lang="es-ES_tradnl" sz="1200" b="1" dirty="0" err="1" smtClean="0">
-                <a:solidFill>
-                  <a:schemeClr val="bg1"/>
-                </a:solidFill>
-              </a:rPr>
-              <a:t>wrap_content</a:t>
-            </a:r>
-            <a:r>
-              <a:rPr lang="es-ES_tradnl" sz="1200" b="1" dirty="0" smtClean="0">
-                <a:solidFill>
-                  <a:schemeClr val="bg1"/>
-                </a:solidFill>
-              </a:rPr>
-              <a:t>"</a:t>
-            </a:r>
-            <a:br>
-              <a:rPr lang="es-ES_tradnl" sz="1200" b="1" dirty="0" smtClean="0">
-                <a:solidFill>
-                  <a:schemeClr val="bg1"/>
-                </a:solidFill>
-              </a:rPr>
-            </a:br>
-            <a:r>
-              <a:rPr lang="es-ES_tradnl" sz="1200" b="1" dirty="0" smtClean="0">
-                <a:solidFill>
-                  <a:schemeClr val="bg1"/>
-                </a:solidFill>
-              </a:rPr>
-              <a:t>        </a:t>
-            </a:r>
-            <a:r>
-              <a:rPr lang="es-ES_tradnl" sz="1200" b="1" dirty="0" err="1" smtClean="0">
-                <a:solidFill>
-                  <a:schemeClr val="bg1"/>
-                </a:solidFill>
-              </a:rPr>
-              <a:t>android:id</a:t>
-            </a:r>
-            <a:r>
-              <a:rPr lang="es-ES_tradnl" sz="1200" b="1" dirty="0">
-                <a:solidFill>
-                  <a:schemeClr val="bg1"/>
-                </a:solidFill>
-              </a:rPr>
-              <a:t>="@+</a:t>
-            </a:r>
-            <a:r>
-              <a:rPr lang="es-ES_tradnl" sz="1200" b="1" dirty="0" smtClean="0">
-                <a:solidFill>
-                  <a:schemeClr val="bg1"/>
-                </a:solidFill>
-              </a:rPr>
-              <a:t>id/</a:t>
-            </a:r>
-            <a:r>
-              <a:rPr lang="es-ES_tradnl" sz="1200" b="1" dirty="0" err="1" smtClean="0">
-                <a:solidFill>
-                  <a:schemeClr val="bg1"/>
-                </a:solidFill>
-              </a:rPr>
-              <a:t>user</a:t>
-            </a:r>
-            <a:r>
-              <a:rPr lang="es-ES_tradnl" sz="1200" b="1" dirty="0" smtClean="0">
-                <a:solidFill>
-                  <a:schemeClr val="bg1"/>
-                </a:solidFill>
-              </a:rPr>
-              <a:t>"  </a:t>
-            </a:r>
-            <a:r>
-              <a:rPr lang="es-ES_tradnl" sz="1200" b="1" dirty="0" err="1" smtClean="0">
-                <a:solidFill>
-                  <a:schemeClr val="bg1"/>
-                </a:solidFill>
-              </a:rPr>
-              <a:t>android:hint</a:t>
-            </a:r>
-            <a:r>
-              <a:rPr lang="es-ES_tradnl" sz="1200" b="1" dirty="0">
-                <a:solidFill>
-                  <a:schemeClr val="bg1"/>
-                </a:solidFill>
-              </a:rPr>
-              <a:t>="</a:t>
-            </a:r>
-            <a:r>
-              <a:rPr lang="es-ES_tradnl" sz="1200" b="1" dirty="0" smtClean="0">
-                <a:solidFill>
-                  <a:schemeClr val="bg1"/>
-                </a:solidFill>
-              </a:rPr>
-              <a:t>Usuario” </a:t>
-            </a:r>
-            <a:r>
-              <a:rPr lang="es-ES_tradnl" sz="1200" b="1" dirty="0" err="1" smtClean="0">
-                <a:solidFill>
-                  <a:schemeClr val="bg1"/>
-                </a:solidFill>
-              </a:rPr>
-              <a:t>android:layout_below</a:t>
-            </a:r>
-            <a:r>
-              <a:rPr lang="es-ES_tradnl" sz="1200" b="1" dirty="0">
-                <a:solidFill>
-                  <a:schemeClr val="bg1"/>
-                </a:solidFill>
-              </a:rPr>
-              <a:t>="@id/</a:t>
-            </a:r>
-            <a:r>
-              <a:rPr lang="es-ES_tradnl" sz="1200" b="1" dirty="0" err="1">
-                <a:solidFill>
-                  <a:schemeClr val="bg1"/>
-                </a:solidFill>
-              </a:rPr>
-              <a:t>imageView</a:t>
-            </a:r>
-            <a:r>
-              <a:rPr lang="es-ES_tradnl" sz="1200" b="1" dirty="0">
-                <a:solidFill>
-                  <a:schemeClr val="bg1"/>
-                </a:solidFill>
-              </a:rPr>
-              <a:t>"</a:t>
-            </a:r>
-            <a:r>
-              <a:rPr lang="es-ES_tradnl" sz="1200" dirty="0">
-                <a:solidFill>
-                  <a:schemeClr val="bg1"/>
-                </a:solidFill>
-              </a:rPr>
-              <a:t>/&gt;</a:t>
-            </a:r>
-            <a:br>
-              <a:rPr lang="es-ES_tradnl" sz="1200" dirty="0">
-                <a:solidFill>
-                  <a:schemeClr val="bg1"/>
-                </a:solidFill>
-              </a:rPr>
-            </a:br>
-            <a:r>
-              <a:rPr lang="es-ES_tradnl" sz="1200" dirty="0">
-                <a:solidFill>
-                  <a:schemeClr val="bg1"/>
-                </a:solidFill>
-              </a:rPr>
-              <a:t/>
-            </a:r>
-            <a:br>
-              <a:rPr lang="es-ES_tradnl" sz="1200" dirty="0">
-                <a:solidFill>
-                  <a:schemeClr val="bg1"/>
-                </a:solidFill>
-              </a:rPr>
-            </a:br>
-            <a:r>
-              <a:rPr lang="es-ES_tradnl" sz="1200" dirty="0">
-                <a:solidFill>
-                  <a:schemeClr val="bg1"/>
-                </a:solidFill>
-              </a:rPr>
-              <a:t>    &lt;</a:t>
-            </a:r>
-            <a:r>
-              <a:rPr lang="es-ES_tradnl" sz="1200" b="1" dirty="0" err="1" smtClean="0">
-                <a:solidFill>
-                  <a:schemeClr val="bg1"/>
-                </a:solidFill>
-              </a:rPr>
-              <a:t>EditText</a:t>
-            </a:r>
-            <a:r>
-              <a:rPr lang="es-ES_tradnl" sz="1200" b="1" dirty="0" smtClean="0">
-                <a:solidFill>
-                  <a:schemeClr val="bg1"/>
-                </a:solidFill>
-              </a:rPr>
-              <a:t>  </a:t>
-            </a:r>
-            <a:r>
-              <a:rPr lang="es-ES_tradnl" sz="1200" b="1" dirty="0" err="1">
-                <a:solidFill>
-                  <a:schemeClr val="bg1"/>
-                </a:solidFill>
-              </a:rPr>
-              <a:t>android:layout_width</a:t>
-            </a:r>
-            <a:r>
-              <a:rPr lang="es-ES_tradnl" sz="1200" b="1" dirty="0">
-                <a:solidFill>
-                  <a:schemeClr val="bg1"/>
-                </a:solidFill>
-              </a:rPr>
-              <a:t>="</a:t>
-            </a:r>
-            <a:r>
-              <a:rPr lang="es-ES_tradnl" sz="1200" b="1" dirty="0" err="1" smtClean="0">
-                <a:solidFill>
-                  <a:schemeClr val="bg1"/>
-                </a:solidFill>
-              </a:rPr>
-              <a:t>match_parent</a:t>
-            </a:r>
-            <a:r>
-              <a:rPr lang="es-ES_tradnl" sz="1200" b="1" dirty="0" smtClean="0">
-                <a:solidFill>
-                  <a:schemeClr val="bg1"/>
-                </a:solidFill>
-              </a:rPr>
-              <a:t>”  </a:t>
-            </a:r>
-            <a:r>
-              <a:rPr lang="es-ES_tradnl" sz="1200" b="1" dirty="0" err="1">
-                <a:solidFill>
-                  <a:schemeClr val="bg1"/>
-                </a:solidFill>
-              </a:rPr>
-              <a:t>android:layout_height</a:t>
-            </a:r>
-            <a:r>
-              <a:rPr lang="es-ES_tradnl" sz="1200" b="1" dirty="0">
-                <a:solidFill>
-                  <a:schemeClr val="bg1"/>
-                </a:solidFill>
-              </a:rPr>
-              <a:t>="</a:t>
-            </a:r>
-            <a:r>
-              <a:rPr lang="es-ES_tradnl" sz="1200" b="1" dirty="0" err="1">
-                <a:solidFill>
-                  <a:schemeClr val="bg1"/>
-                </a:solidFill>
-              </a:rPr>
-              <a:t>wrap_content</a:t>
-            </a:r>
-            <a:r>
-              <a:rPr lang="es-ES_tradnl" sz="1200" b="1" dirty="0">
-                <a:solidFill>
-                  <a:schemeClr val="bg1"/>
-                </a:solidFill>
-              </a:rPr>
-              <a:t>"</a:t>
-            </a:r>
-            <a:br>
-              <a:rPr lang="es-ES_tradnl" sz="1200" b="1" dirty="0">
-                <a:solidFill>
-                  <a:schemeClr val="bg1"/>
-                </a:solidFill>
-              </a:rPr>
-            </a:br>
-            <a:r>
-              <a:rPr lang="es-ES_tradnl" sz="1200" b="1" dirty="0">
-                <a:solidFill>
-                  <a:schemeClr val="bg1"/>
-                </a:solidFill>
-              </a:rPr>
-              <a:t>        </a:t>
-            </a:r>
-            <a:r>
-              <a:rPr lang="es-ES_tradnl" sz="1200" b="1" dirty="0" err="1">
-                <a:solidFill>
-                  <a:schemeClr val="bg1"/>
-                </a:solidFill>
-              </a:rPr>
-              <a:t>android:inputType</a:t>
-            </a:r>
-            <a:r>
-              <a:rPr lang="es-ES_tradnl" sz="1200" b="1" dirty="0">
-                <a:solidFill>
-                  <a:schemeClr val="bg1"/>
-                </a:solidFill>
-              </a:rPr>
-              <a:t>="</a:t>
-            </a:r>
-            <a:r>
-              <a:rPr lang="es-ES_tradnl" sz="1200" b="1" dirty="0" err="1">
-                <a:solidFill>
-                  <a:schemeClr val="bg1"/>
-                </a:solidFill>
-              </a:rPr>
-              <a:t>textPassword</a:t>
-            </a:r>
-            <a:r>
-              <a:rPr lang="es-ES_tradnl" sz="1200" b="1" dirty="0" smtClean="0">
-                <a:solidFill>
-                  <a:schemeClr val="bg1"/>
-                </a:solidFill>
-              </a:rPr>
-              <a:t>" </a:t>
-            </a:r>
-            <a:r>
-              <a:rPr lang="es-ES_tradnl" sz="1200" b="1" dirty="0" err="1">
-                <a:solidFill>
-                  <a:schemeClr val="bg1"/>
-                </a:solidFill>
-              </a:rPr>
-              <a:t>android:ems</a:t>
-            </a:r>
-            <a:r>
-              <a:rPr lang="es-ES_tradnl" sz="1200" b="1" dirty="0">
-                <a:solidFill>
-                  <a:schemeClr val="bg1"/>
-                </a:solidFill>
-              </a:rPr>
-              <a:t>="</a:t>
-            </a:r>
-            <a:r>
-              <a:rPr lang="es-ES_tradnl" sz="1200" b="1" dirty="0" smtClean="0">
-                <a:solidFill>
-                  <a:schemeClr val="bg1"/>
-                </a:solidFill>
-              </a:rPr>
-              <a:t>10” </a:t>
-            </a:r>
-            <a:r>
-              <a:rPr lang="es-ES_tradnl" sz="1200" b="1" dirty="0" err="1" smtClean="0">
-                <a:solidFill>
-                  <a:schemeClr val="bg1"/>
-                </a:solidFill>
-              </a:rPr>
-              <a:t>android:id</a:t>
-            </a:r>
-            <a:r>
-              <a:rPr lang="es-ES_tradnl" sz="1200" b="1" dirty="0">
-                <a:solidFill>
-                  <a:schemeClr val="bg1"/>
-                </a:solidFill>
-              </a:rPr>
-              <a:t>="@+id/</a:t>
-            </a:r>
-            <a:r>
-              <a:rPr lang="es-ES_tradnl" sz="1200" b="1" dirty="0" err="1">
-                <a:solidFill>
-                  <a:schemeClr val="bg1"/>
-                </a:solidFill>
-              </a:rPr>
-              <a:t>password</a:t>
-            </a:r>
-            <a:r>
-              <a:rPr lang="es-ES_tradnl" sz="1200" b="1" dirty="0">
-                <a:solidFill>
-                  <a:schemeClr val="bg1"/>
-                </a:solidFill>
-              </a:rPr>
-              <a:t>"</a:t>
-            </a:r>
-            <a:br>
-              <a:rPr lang="es-ES_tradnl" sz="1200" b="1" dirty="0">
-                <a:solidFill>
-                  <a:schemeClr val="bg1"/>
-                </a:solidFill>
-              </a:rPr>
-            </a:br>
-            <a:r>
-              <a:rPr lang="es-ES_tradnl" sz="1200" b="1" dirty="0">
-                <a:solidFill>
-                  <a:schemeClr val="bg1"/>
-                </a:solidFill>
-              </a:rPr>
-              <a:t>        </a:t>
-            </a:r>
-            <a:r>
-              <a:rPr lang="es-ES_tradnl" sz="1200" b="1" dirty="0" err="1">
-                <a:solidFill>
-                  <a:schemeClr val="bg1"/>
-                </a:solidFill>
-              </a:rPr>
-              <a:t>android:hint</a:t>
-            </a:r>
-            <a:r>
-              <a:rPr lang="es-ES_tradnl" sz="1200" b="1" dirty="0">
-                <a:solidFill>
-                  <a:schemeClr val="bg1"/>
-                </a:solidFill>
-              </a:rPr>
-              <a:t>="</a:t>
-            </a:r>
-            <a:r>
-              <a:rPr lang="es-ES_tradnl" sz="1200" b="1" dirty="0" err="1">
-                <a:solidFill>
-                  <a:schemeClr val="bg1"/>
-                </a:solidFill>
-              </a:rPr>
-              <a:t>Password</a:t>
-            </a:r>
-            <a:r>
-              <a:rPr lang="es-ES_tradnl" sz="1200" b="1" dirty="0" smtClean="0">
-                <a:solidFill>
-                  <a:schemeClr val="bg1"/>
-                </a:solidFill>
-              </a:rPr>
-              <a:t>" </a:t>
-            </a:r>
-            <a:r>
-              <a:rPr lang="es-ES_tradnl" sz="1200" b="1" dirty="0" err="1">
-                <a:solidFill>
-                  <a:schemeClr val="bg1"/>
-                </a:solidFill>
-              </a:rPr>
-              <a:t>android:layout_below</a:t>
-            </a:r>
-            <a:r>
-              <a:rPr lang="es-ES_tradnl" sz="1200" b="1" dirty="0">
-                <a:solidFill>
-                  <a:schemeClr val="bg1"/>
-                </a:solidFill>
-              </a:rPr>
-              <a:t>="@id/</a:t>
-            </a:r>
-            <a:r>
-              <a:rPr lang="es-ES_tradnl" sz="1200" b="1" dirty="0" err="1">
-                <a:solidFill>
-                  <a:schemeClr val="bg1"/>
-                </a:solidFill>
-              </a:rPr>
-              <a:t>user</a:t>
-            </a:r>
-            <a:r>
-              <a:rPr lang="es-ES_tradnl" sz="1200" b="1" dirty="0">
-                <a:solidFill>
-                  <a:schemeClr val="bg1"/>
-                </a:solidFill>
-              </a:rPr>
-              <a:t>"</a:t>
-            </a:r>
-            <a:r>
-              <a:rPr lang="es-ES_tradnl" sz="1200" dirty="0">
-                <a:solidFill>
-                  <a:schemeClr val="bg1"/>
-                </a:solidFill>
-              </a:rPr>
-              <a:t>/&gt;</a:t>
-            </a:r>
-            <a:br>
-              <a:rPr lang="es-ES_tradnl" sz="1200" dirty="0">
-                <a:solidFill>
-                  <a:schemeClr val="bg1"/>
-                </a:solidFill>
-              </a:rPr>
-            </a:br>
-            <a:r>
-              <a:rPr lang="es-ES_tradnl" sz="1200" dirty="0">
-                <a:solidFill>
-                  <a:schemeClr val="bg1"/>
-                </a:solidFill>
-              </a:rPr>
-              <a:t/>
-            </a:r>
-            <a:br>
-              <a:rPr lang="es-ES_tradnl" sz="1200" dirty="0">
-                <a:solidFill>
-                  <a:schemeClr val="bg1"/>
-                </a:solidFill>
-              </a:rPr>
-            </a:br>
-            <a:r>
-              <a:rPr lang="es-ES_tradnl" sz="1200" dirty="0">
-                <a:solidFill>
-                  <a:schemeClr val="bg1"/>
-                </a:solidFill>
-              </a:rPr>
-              <a:t>    &lt;</a:t>
-            </a:r>
-            <a:r>
-              <a:rPr lang="es-ES_tradnl" sz="1200" b="1" dirty="0" err="1" smtClean="0">
-                <a:solidFill>
-                  <a:schemeClr val="bg1"/>
-                </a:solidFill>
-              </a:rPr>
-              <a:t>Button</a:t>
-            </a:r>
-            <a:r>
-              <a:rPr lang="es-ES_tradnl" sz="1200" b="1" dirty="0" smtClean="0">
-                <a:solidFill>
-                  <a:schemeClr val="bg1"/>
-                </a:solidFill>
-              </a:rPr>
-              <a:t>  </a:t>
-            </a:r>
-            <a:r>
-              <a:rPr lang="es-ES_tradnl" sz="1200" b="1" dirty="0" err="1">
-                <a:solidFill>
-                  <a:schemeClr val="bg1"/>
-                </a:solidFill>
-              </a:rPr>
-              <a:t>android:layout_width</a:t>
-            </a:r>
-            <a:r>
-              <a:rPr lang="es-ES_tradnl" sz="1200" b="1" dirty="0">
-                <a:solidFill>
-                  <a:schemeClr val="bg1"/>
-                </a:solidFill>
-              </a:rPr>
-              <a:t>="</a:t>
-            </a:r>
-            <a:r>
-              <a:rPr lang="es-ES_tradnl" sz="1200" b="1" dirty="0" err="1" smtClean="0">
-                <a:solidFill>
-                  <a:schemeClr val="bg1"/>
-                </a:solidFill>
-              </a:rPr>
-              <a:t>wrap_content</a:t>
-            </a:r>
-            <a:r>
-              <a:rPr lang="es-ES_tradnl" sz="1200" b="1" dirty="0" smtClean="0">
-                <a:solidFill>
-                  <a:schemeClr val="bg1"/>
-                </a:solidFill>
-              </a:rPr>
-              <a:t>” </a:t>
-            </a:r>
-            <a:r>
-              <a:rPr lang="es-ES_tradnl" sz="1200" b="1" dirty="0" err="1" smtClean="0">
-                <a:solidFill>
-                  <a:schemeClr val="bg1"/>
-                </a:solidFill>
-              </a:rPr>
-              <a:t>android:layout_height</a:t>
-            </a:r>
-            <a:r>
-              <a:rPr lang="es-ES_tradnl" sz="1200" b="1" dirty="0">
-                <a:solidFill>
-                  <a:schemeClr val="bg1"/>
-                </a:solidFill>
-              </a:rPr>
-              <a:t>="</a:t>
-            </a:r>
-            <a:r>
-              <a:rPr lang="es-ES_tradnl" sz="1200" b="1" dirty="0" err="1">
-                <a:solidFill>
-                  <a:schemeClr val="bg1"/>
-                </a:solidFill>
-              </a:rPr>
-              <a:t>wrap_content</a:t>
-            </a:r>
-            <a:r>
-              <a:rPr lang="es-ES_tradnl" sz="1200" b="1" dirty="0">
-                <a:solidFill>
-                  <a:schemeClr val="bg1"/>
-                </a:solidFill>
-              </a:rPr>
-              <a:t>"</a:t>
-            </a:r>
-            <a:br>
-              <a:rPr lang="es-ES_tradnl" sz="1200" b="1" dirty="0">
-                <a:solidFill>
-                  <a:schemeClr val="bg1"/>
-                </a:solidFill>
-              </a:rPr>
-            </a:br>
-            <a:r>
-              <a:rPr lang="es-ES_tradnl" sz="1200" b="1" dirty="0">
-                <a:solidFill>
-                  <a:schemeClr val="bg1"/>
-                </a:solidFill>
-              </a:rPr>
-              <a:t>        </a:t>
-            </a:r>
-            <a:r>
-              <a:rPr lang="es-ES_tradnl" sz="1200" b="1" dirty="0" err="1">
-                <a:solidFill>
-                  <a:schemeClr val="bg1"/>
-                </a:solidFill>
-              </a:rPr>
-              <a:t>android:text</a:t>
-            </a:r>
-            <a:r>
-              <a:rPr lang="es-ES_tradnl" sz="1200" b="1" dirty="0">
-                <a:solidFill>
-                  <a:schemeClr val="bg1"/>
-                </a:solidFill>
-              </a:rPr>
-              <a:t>="</a:t>
-            </a:r>
-            <a:r>
-              <a:rPr lang="es-ES_tradnl" sz="1200" b="1" dirty="0" err="1">
-                <a:solidFill>
-                  <a:schemeClr val="bg1"/>
-                </a:solidFill>
-              </a:rPr>
-              <a:t>Login</a:t>
-            </a:r>
-            <a:r>
-              <a:rPr lang="es-ES_tradnl" sz="1200" b="1" dirty="0" smtClean="0">
-                <a:solidFill>
-                  <a:schemeClr val="bg1"/>
-                </a:solidFill>
-              </a:rPr>
-              <a:t>"  </a:t>
-            </a:r>
-            <a:r>
-              <a:rPr lang="es-ES_tradnl" sz="1200" b="1" dirty="0" err="1">
-                <a:solidFill>
-                  <a:schemeClr val="bg1"/>
-                </a:solidFill>
-              </a:rPr>
-              <a:t>android:id</a:t>
-            </a:r>
-            <a:r>
-              <a:rPr lang="es-ES_tradnl" sz="1200" b="1" dirty="0">
-                <a:solidFill>
-                  <a:schemeClr val="bg1"/>
-                </a:solidFill>
-              </a:rPr>
-              <a:t>="@+id/</a:t>
-            </a:r>
-            <a:r>
-              <a:rPr lang="es-ES_tradnl" sz="1200" b="1" dirty="0" err="1">
-                <a:solidFill>
-                  <a:schemeClr val="bg1"/>
-                </a:solidFill>
-              </a:rPr>
-              <a:t>login</a:t>
-            </a:r>
-            <a:r>
-              <a:rPr lang="es-ES_tradnl" sz="1200" b="1" dirty="0" smtClean="0">
-                <a:solidFill>
-                  <a:schemeClr val="bg1"/>
-                </a:solidFill>
-              </a:rPr>
-              <a:t>" </a:t>
-            </a:r>
-            <a:r>
-              <a:rPr lang="es-ES_tradnl" sz="1200" b="1" dirty="0" err="1">
-                <a:solidFill>
-                  <a:schemeClr val="bg1"/>
-                </a:solidFill>
-              </a:rPr>
-              <a:t>android:layout_below</a:t>
-            </a:r>
-            <a:r>
-              <a:rPr lang="es-ES_tradnl" sz="1200" b="1" dirty="0">
-                <a:solidFill>
-                  <a:schemeClr val="bg1"/>
-                </a:solidFill>
-              </a:rPr>
-              <a:t>="@id/</a:t>
-            </a:r>
-            <a:r>
-              <a:rPr lang="es-ES_tradnl" sz="1200" b="1" dirty="0" err="1">
-                <a:solidFill>
-                  <a:schemeClr val="bg1"/>
-                </a:solidFill>
-              </a:rPr>
-              <a:t>password</a:t>
-            </a:r>
-            <a:r>
-              <a:rPr lang="es-ES_tradnl" sz="1200" b="1" dirty="0">
-                <a:solidFill>
-                  <a:schemeClr val="bg1"/>
-                </a:solidFill>
-              </a:rPr>
-              <a:t>"</a:t>
-            </a:r>
-            <a:br>
-              <a:rPr lang="es-ES_tradnl" sz="1200" b="1" dirty="0">
-                <a:solidFill>
-                  <a:schemeClr val="bg1"/>
-                </a:solidFill>
-              </a:rPr>
-            </a:br>
-            <a:r>
-              <a:rPr lang="es-ES_tradnl" sz="1200" b="1" dirty="0">
-                <a:solidFill>
-                  <a:schemeClr val="bg1"/>
-                </a:solidFill>
-              </a:rPr>
-              <a:t>        </a:t>
-            </a:r>
-            <a:r>
-              <a:rPr lang="es-ES_tradnl" sz="1200" b="1" dirty="0" err="1">
-                <a:solidFill>
-                  <a:schemeClr val="bg1"/>
-                </a:solidFill>
-              </a:rPr>
-              <a:t>android:layout_alignParentRight</a:t>
-            </a:r>
-            <a:r>
-              <a:rPr lang="es-ES_tradnl" sz="1200" b="1" dirty="0">
-                <a:solidFill>
-                  <a:schemeClr val="bg1"/>
-                </a:solidFill>
-              </a:rPr>
-              <a:t>="true"</a:t>
-            </a:r>
-            <a:r>
-              <a:rPr lang="es-ES_tradnl" sz="1200" dirty="0">
-                <a:solidFill>
-                  <a:schemeClr val="bg1"/>
-                </a:solidFill>
-              </a:rPr>
-              <a:t>/&gt;</a:t>
-            </a:r>
-            <a:br>
-              <a:rPr lang="es-ES_tradnl" sz="1200" dirty="0">
-                <a:solidFill>
-                  <a:schemeClr val="bg1"/>
-                </a:solidFill>
-              </a:rPr>
-            </a:br>
-            <a:r>
-              <a:rPr lang="es-ES_tradnl" sz="1200" dirty="0">
-                <a:solidFill>
-                  <a:schemeClr val="bg1"/>
-                </a:solidFill>
-              </a:rPr>
-              <a:t/>
-            </a:r>
-            <a:br>
-              <a:rPr lang="es-ES_tradnl" sz="1200" dirty="0">
-                <a:solidFill>
-                  <a:schemeClr val="bg1"/>
-                </a:solidFill>
-              </a:rPr>
-            </a:br>
-            <a:r>
-              <a:rPr lang="es-ES_tradnl" sz="1200" dirty="0">
-                <a:solidFill>
-                  <a:schemeClr val="bg1"/>
-                </a:solidFill>
-              </a:rPr>
-              <a:t>    &lt;</a:t>
-            </a:r>
-            <a:r>
-              <a:rPr lang="es-ES_tradnl" sz="1200" b="1" dirty="0" err="1" smtClean="0">
-                <a:solidFill>
-                  <a:schemeClr val="bg1"/>
-                </a:solidFill>
-              </a:rPr>
-              <a:t>TextView</a:t>
-            </a:r>
-            <a:r>
-              <a:rPr lang="es-ES_tradnl" sz="1200" b="1" dirty="0" smtClean="0">
-                <a:solidFill>
-                  <a:schemeClr val="bg1"/>
-                </a:solidFill>
-              </a:rPr>
-              <a:t> </a:t>
-            </a:r>
-            <a:r>
-              <a:rPr lang="es-ES_tradnl" sz="1200" b="1" dirty="0" err="1" smtClean="0">
-                <a:solidFill>
-                  <a:schemeClr val="bg1"/>
-                </a:solidFill>
-              </a:rPr>
-              <a:t>android:layout_width</a:t>
-            </a:r>
-            <a:r>
-              <a:rPr lang="es-ES_tradnl" sz="1200" b="1" dirty="0">
-                <a:solidFill>
-                  <a:schemeClr val="bg1"/>
-                </a:solidFill>
-              </a:rPr>
-              <a:t>="</a:t>
-            </a:r>
-            <a:r>
-              <a:rPr lang="es-ES_tradnl" sz="1200" b="1" dirty="0" err="1" smtClean="0">
-                <a:solidFill>
-                  <a:schemeClr val="bg1"/>
-                </a:solidFill>
-              </a:rPr>
-              <a:t>wrap_content</a:t>
-            </a:r>
-            <a:r>
-              <a:rPr lang="es-ES_tradnl" sz="1200" b="1" dirty="0" smtClean="0">
-                <a:solidFill>
-                  <a:schemeClr val="bg1"/>
-                </a:solidFill>
-              </a:rPr>
-              <a:t>” </a:t>
-            </a:r>
-            <a:r>
-              <a:rPr lang="es-ES_tradnl" sz="1200" b="1" dirty="0" err="1" smtClean="0">
-                <a:solidFill>
-                  <a:schemeClr val="bg1"/>
-                </a:solidFill>
-              </a:rPr>
-              <a:t>android:layout_height</a:t>
-            </a:r>
-            <a:r>
-              <a:rPr lang="es-ES_tradnl" sz="1200" b="1" dirty="0">
-                <a:solidFill>
-                  <a:schemeClr val="bg1"/>
-                </a:solidFill>
-              </a:rPr>
-              <a:t>="</a:t>
-            </a:r>
-            <a:r>
-              <a:rPr lang="es-ES_tradnl" sz="1200" b="1" dirty="0" err="1" smtClean="0">
-                <a:solidFill>
-                  <a:schemeClr val="bg1"/>
-                </a:solidFill>
-              </a:rPr>
-              <a:t>wrap_content</a:t>
-            </a:r>
-            <a:r>
-              <a:rPr lang="es-ES_tradnl" sz="1200" b="1" dirty="0" smtClean="0">
-                <a:solidFill>
-                  <a:schemeClr val="bg1"/>
-                </a:solidFill>
-              </a:rPr>
-              <a:t>” </a:t>
-            </a:r>
-            <a:r>
-              <a:rPr lang="es-ES_tradnl" sz="1200" b="1" dirty="0" err="1" smtClean="0">
-                <a:solidFill>
-                  <a:schemeClr val="bg1"/>
-                </a:solidFill>
-              </a:rPr>
-              <a:t>android:textAppearance</a:t>
-            </a:r>
-            <a:r>
-              <a:rPr lang="es-ES_tradnl" sz="1200" b="1" dirty="0">
-                <a:solidFill>
-                  <a:schemeClr val="bg1"/>
-                </a:solidFill>
-              </a:rPr>
-              <a:t>="?</a:t>
-            </a:r>
-            <a:r>
-              <a:rPr lang="es-ES_tradnl" sz="1200" b="1" dirty="0" err="1">
-                <a:solidFill>
-                  <a:schemeClr val="bg1"/>
-                </a:solidFill>
-              </a:rPr>
-              <a:t>android:attr</a:t>
-            </a:r>
-            <a:r>
-              <a:rPr lang="es-ES_tradnl" sz="1200" b="1" dirty="0">
-                <a:solidFill>
-                  <a:schemeClr val="bg1"/>
-                </a:solidFill>
-              </a:rPr>
-              <a:t>/</a:t>
-            </a:r>
-            <a:r>
-              <a:rPr lang="es-ES_tradnl" sz="1200" b="1" dirty="0" err="1">
-                <a:solidFill>
-                  <a:schemeClr val="bg1"/>
-                </a:solidFill>
-              </a:rPr>
-              <a:t>textAppearanceSmall</a:t>
-            </a:r>
-            <a:r>
-              <a:rPr lang="es-ES_tradnl" sz="1200" b="1" dirty="0" smtClean="0">
-                <a:solidFill>
-                  <a:schemeClr val="bg1"/>
-                </a:solidFill>
-              </a:rPr>
-              <a:t>" </a:t>
-            </a:r>
-            <a:r>
-              <a:rPr lang="es-ES_tradnl" sz="1200" b="1" dirty="0" err="1">
-                <a:solidFill>
-                  <a:schemeClr val="bg1"/>
-                </a:solidFill>
-              </a:rPr>
-              <a:t>android:text</a:t>
-            </a:r>
-            <a:r>
-              <a:rPr lang="es-ES_tradnl" sz="1200" b="1" dirty="0">
-                <a:solidFill>
-                  <a:schemeClr val="bg1"/>
-                </a:solidFill>
-              </a:rPr>
-              <a:t>="Contraseña olvidada?"</a:t>
-            </a:r>
-            <a:br>
-              <a:rPr lang="es-ES_tradnl" sz="1200" b="1" dirty="0">
-                <a:solidFill>
-                  <a:schemeClr val="bg1"/>
-                </a:solidFill>
-              </a:rPr>
-            </a:br>
-            <a:r>
-              <a:rPr lang="es-ES_tradnl" sz="1200" b="1" dirty="0">
-                <a:solidFill>
-                  <a:schemeClr val="bg1"/>
-                </a:solidFill>
-              </a:rPr>
-              <a:t>        </a:t>
-            </a:r>
-            <a:r>
-              <a:rPr lang="es-ES_tradnl" sz="1200" b="1" dirty="0" err="1">
-                <a:solidFill>
-                  <a:schemeClr val="bg1"/>
-                </a:solidFill>
-              </a:rPr>
-              <a:t>android:id</a:t>
-            </a:r>
-            <a:r>
-              <a:rPr lang="es-ES_tradnl" sz="1200" b="1" dirty="0">
-                <a:solidFill>
-                  <a:schemeClr val="bg1"/>
-                </a:solidFill>
-              </a:rPr>
-              <a:t>="@+</a:t>
-            </a:r>
-            <a:r>
-              <a:rPr lang="es-ES_tradnl" sz="1200" b="1" dirty="0" smtClean="0">
-                <a:solidFill>
-                  <a:schemeClr val="bg1"/>
-                </a:solidFill>
-              </a:rPr>
-              <a:t>id/</a:t>
-            </a:r>
-            <a:r>
-              <a:rPr lang="es-ES_tradnl" sz="1200" b="1" dirty="0" err="1" smtClean="0">
-                <a:solidFill>
-                  <a:schemeClr val="bg1"/>
-                </a:solidFill>
-              </a:rPr>
-              <a:t>textView</a:t>
-            </a:r>
-            <a:r>
-              <a:rPr lang="es-ES_tradnl" sz="1200" b="1" dirty="0" smtClean="0">
-                <a:solidFill>
-                  <a:schemeClr val="bg1"/>
-                </a:solidFill>
-              </a:rPr>
-              <a:t>” </a:t>
-            </a:r>
-            <a:r>
-              <a:rPr lang="es-ES_tradnl" sz="1200" b="1" dirty="0" err="1" smtClean="0">
-                <a:solidFill>
-                  <a:schemeClr val="bg1"/>
-                </a:solidFill>
-              </a:rPr>
-              <a:t>android:layout_below</a:t>
-            </a:r>
-            <a:r>
-              <a:rPr lang="es-ES_tradnl" sz="1200" b="1" dirty="0">
-                <a:solidFill>
-                  <a:schemeClr val="bg1"/>
-                </a:solidFill>
-              </a:rPr>
-              <a:t>="@</a:t>
-            </a:r>
-            <a:r>
-              <a:rPr lang="es-ES_tradnl" sz="1200" b="1" dirty="0" smtClean="0">
-                <a:solidFill>
-                  <a:schemeClr val="bg1"/>
-                </a:solidFill>
-              </a:rPr>
-              <a:t>id/</a:t>
-            </a:r>
-            <a:r>
-              <a:rPr lang="es-ES_tradnl" sz="1200" b="1" dirty="0" err="1" smtClean="0">
-                <a:solidFill>
-                  <a:schemeClr val="bg1"/>
-                </a:solidFill>
-              </a:rPr>
-              <a:t>password</a:t>
-            </a:r>
-            <a:r>
-              <a:rPr lang="es-ES_tradnl" sz="1200" b="1" dirty="0" smtClean="0">
-                <a:solidFill>
-                  <a:schemeClr val="bg1"/>
-                </a:solidFill>
-              </a:rPr>
-              <a:t>” </a:t>
-            </a:r>
-            <a:r>
-              <a:rPr lang="es-ES_tradnl" sz="1200" b="1" dirty="0" err="1" smtClean="0">
-                <a:solidFill>
-                  <a:schemeClr val="bg1"/>
-                </a:solidFill>
-              </a:rPr>
-              <a:t>android:layout_alignBottom</a:t>
-            </a:r>
-            <a:r>
-              <a:rPr lang="es-ES_tradnl" sz="1200" b="1" dirty="0">
-                <a:solidFill>
-                  <a:schemeClr val="bg1"/>
-                </a:solidFill>
-              </a:rPr>
-              <a:t>="@id/</a:t>
-            </a:r>
-            <a:r>
-              <a:rPr lang="es-ES_tradnl" sz="1200" b="1" dirty="0" err="1">
-                <a:solidFill>
-                  <a:schemeClr val="bg1"/>
-                </a:solidFill>
-              </a:rPr>
-              <a:t>login</a:t>
-            </a:r>
-            <a:r>
-              <a:rPr lang="es-ES_tradnl" sz="1200" b="1" dirty="0">
-                <a:solidFill>
-                  <a:schemeClr val="bg1"/>
-                </a:solidFill>
-              </a:rPr>
-              <a:t>"</a:t>
-            </a:r>
-            <a:br>
-              <a:rPr lang="es-ES_tradnl" sz="1200" b="1" dirty="0">
-                <a:solidFill>
-                  <a:schemeClr val="bg1"/>
-                </a:solidFill>
-              </a:rPr>
-            </a:br>
-            <a:r>
-              <a:rPr lang="es-ES_tradnl" sz="1200" b="1" dirty="0">
-                <a:solidFill>
-                  <a:schemeClr val="bg1"/>
-                </a:solidFill>
-              </a:rPr>
-              <a:t>        </a:t>
-            </a:r>
-            <a:r>
-              <a:rPr lang="es-ES_tradnl" sz="1200" b="1" dirty="0" err="1">
-                <a:solidFill>
-                  <a:schemeClr val="bg1"/>
-                </a:solidFill>
-              </a:rPr>
-              <a:t>android:gravity</a:t>
-            </a:r>
-            <a:r>
-              <a:rPr lang="es-ES_tradnl" sz="1200" b="1" dirty="0">
-                <a:solidFill>
-                  <a:schemeClr val="bg1"/>
-                </a:solidFill>
-              </a:rPr>
-              <a:t>="</a:t>
-            </a:r>
-            <a:r>
-              <a:rPr lang="es-ES_tradnl" sz="1200" b="1" dirty="0" smtClean="0">
-                <a:solidFill>
-                  <a:schemeClr val="bg1"/>
-                </a:solidFill>
-              </a:rPr>
-              <a:t>center”  </a:t>
-            </a:r>
-            <a:r>
-              <a:rPr lang="es-ES_tradnl" sz="1200" b="1" dirty="0" err="1">
-                <a:solidFill>
-                  <a:schemeClr val="bg1"/>
-                </a:solidFill>
-              </a:rPr>
-              <a:t>android:layout_toLeftOf</a:t>
-            </a:r>
-            <a:r>
-              <a:rPr lang="es-ES_tradnl" sz="1200" b="1" dirty="0">
-                <a:solidFill>
-                  <a:schemeClr val="bg1"/>
-                </a:solidFill>
-              </a:rPr>
-              <a:t>="@id/</a:t>
-            </a:r>
-            <a:r>
-              <a:rPr lang="es-ES_tradnl" sz="1200" b="1" dirty="0" err="1">
-                <a:solidFill>
-                  <a:schemeClr val="bg1"/>
-                </a:solidFill>
-              </a:rPr>
-              <a:t>login</a:t>
-            </a:r>
-            <a:r>
-              <a:rPr lang="es-ES_tradnl" sz="1200" b="1" dirty="0" smtClean="0">
-                <a:solidFill>
-                  <a:schemeClr val="bg1"/>
-                </a:solidFill>
-              </a:rPr>
-              <a:t>"</a:t>
-            </a:r>
-            <a:r>
-              <a:rPr lang="es-ES_tradnl" sz="1200" dirty="0" smtClean="0">
-                <a:solidFill>
-                  <a:schemeClr val="bg1"/>
-                </a:solidFill>
-              </a:rPr>
-              <a:t>/&gt;</a:t>
-            </a:r>
-            <a:r>
-              <a:rPr lang="es-ES_tradnl" sz="1200" dirty="0">
-                <a:solidFill>
-                  <a:schemeClr val="bg1"/>
-                </a:solidFill>
-              </a:rPr>
-              <a:t/>
-            </a:r>
-            <a:br>
-              <a:rPr lang="es-ES_tradnl" sz="1200" dirty="0">
-                <a:solidFill>
-                  <a:schemeClr val="bg1"/>
-                </a:solidFill>
-              </a:rPr>
-            </a:br>
-            <a:r>
-              <a:rPr lang="es-ES_tradnl" sz="1200" dirty="0">
-                <a:solidFill>
-                  <a:schemeClr val="bg1"/>
-                </a:solidFill>
-              </a:rPr>
-              <a:t>&lt;/</a:t>
-            </a:r>
-            <a:r>
-              <a:rPr lang="es-ES_tradnl" sz="1200" b="1" dirty="0" err="1">
-                <a:solidFill>
-                  <a:schemeClr val="bg1"/>
-                </a:solidFill>
-              </a:rPr>
-              <a:t>RelativeLayout</a:t>
-            </a:r>
-            <a:r>
-              <a:rPr lang="es-ES_tradnl" sz="1200" dirty="0">
-                <a:solidFill>
-                  <a:schemeClr val="bg1"/>
-                </a:solidFill>
-              </a:rPr>
-              <a:t>&gt;</a:t>
-            </a:r>
+            <a:pPr marL="0" indent="0">
+              <a:buNone/>
+            </a:pPr>
             <a:r>
               <a:rPr lang="es-ES_tradnl" dirty="0"/>
-              <a:t/>
-            </a:r>
-            <a:br>
+              <a:t>La posición de un componente </a:t>
+            </a:r>
+            <a:r>
+              <a:rPr lang="es-ES_tradnl" dirty="0" smtClean="0"/>
+              <a:t>visual </a:t>
+            </a:r>
+            <a:r>
               <a:rPr lang="es-ES_tradnl" dirty="0"/>
-            </a:br>
+              <a:t>será relativa al propio </a:t>
+            </a:r>
+            <a:r>
+              <a:rPr lang="es-ES_tradnl" dirty="0" err="1"/>
+              <a:t>layout</a:t>
+            </a:r>
+            <a:r>
+              <a:rPr lang="es-ES_tradnl" dirty="0"/>
+              <a:t> padre o a </a:t>
+            </a:r>
+            <a:r>
+              <a:rPr lang="es-ES_tradnl" dirty="0" smtClean="0"/>
+              <a:t>cualquier </a:t>
+            </a:r>
+            <a:r>
+              <a:rPr lang="es-ES_tradnl" dirty="0"/>
+              <a:t>otro componente incluido en el mismo </a:t>
+            </a:r>
+            <a:r>
+              <a:rPr lang="es-ES_tradnl" dirty="0" smtClean="0"/>
+              <a:t>con </a:t>
+            </a:r>
+            <a:r>
+              <a:rPr lang="es-ES_tradnl" dirty="0"/>
+              <a:t>directivas como: </a:t>
+            </a:r>
+            <a:endParaRPr lang="es-ES_tradnl" dirty="0" smtClean="0"/>
+          </a:p>
+          <a:p>
+            <a:r>
+              <a:rPr lang="es-ES_tradnl" dirty="0" smtClean="0"/>
+              <a:t>centrarse </a:t>
+            </a:r>
+            <a:r>
+              <a:rPr lang="es-ES_tradnl" dirty="0"/>
+              <a:t>horizontalmente </a:t>
+            </a:r>
+            <a:r>
+              <a:rPr lang="es-ES_tradnl" dirty="0" smtClean="0"/>
+              <a:t>o </a:t>
+            </a:r>
+            <a:r>
+              <a:rPr lang="es-ES_tradnl" dirty="0"/>
+              <a:t>verticalmente dentro del </a:t>
+            </a:r>
+            <a:r>
+              <a:rPr lang="es-ES_tradnl" dirty="0" smtClean="0"/>
+              <a:t>padre</a:t>
+            </a:r>
+          </a:p>
+          <a:p>
+            <a:r>
+              <a:rPr lang="es-ES_tradnl" dirty="0" smtClean="0"/>
+              <a:t>posicionarse </a:t>
+            </a:r>
+            <a:r>
+              <a:rPr lang="es-ES_tradnl" dirty="0"/>
+              <a:t>arriba o </a:t>
+            </a:r>
+            <a:r>
+              <a:rPr lang="es-ES_tradnl" dirty="0" smtClean="0"/>
+              <a:t>debajo </a:t>
+            </a:r>
+            <a:r>
+              <a:rPr lang="es-ES_tradnl" dirty="0"/>
+              <a:t>de otro componente o a la izquierda o derecha. </a:t>
+            </a:r>
+          </a:p>
+          <a:p>
             <a:endParaRPr lang="es-ES_tradnl" dirty="0"/>
           </a:p>
         </p:txBody>
       </p:sp>
-      <p:pic>
-        <p:nvPicPr>
-          <p:cNvPr id="7" name="Imagen 6"/>
-          <p:cNvPicPr>
-            <a:picLocks noChangeAspect="1"/>
-          </p:cNvPicPr>
-          <p:nvPr/>
-        </p:nvPicPr>
-        <p:blipFill>
-          <a:blip r:embed="rId2">
-            <a:extLst>
-              <a:ext uri="{28A0092B-C50C-407E-A947-70E740481C1C}">
-                <a14:useLocalDpi xmlns:a14="http://schemas.microsoft.com/office/drawing/2010/main" val="0"/>
-              </a:ext>
-            </a:extLst>
-          </a:blip>
-          <a:stretch>
-            <a:fillRect/>
-          </a:stretch>
-        </p:blipFill>
-        <p:spPr>
-          <a:xfrm>
-            <a:off x="322488" y="2144110"/>
-            <a:ext cx="2483774" cy="4616648"/>
-          </a:xfrm>
-          <a:prstGeom prst="rect">
-            <a:avLst/>
-          </a:prstGeom>
-        </p:spPr>
-      </p:pic>
     </p:spTree>
     <p:extLst>
       <p:ext uri="{BB962C8B-B14F-4D97-AF65-F5344CB8AC3E}">
-        <p14:creationId xmlns:p14="http://schemas.microsoft.com/office/powerpoint/2010/main" val="1485261543"/>
+        <p14:creationId xmlns:p14="http://schemas.microsoft.com/office/powerpoint/2010/main" val="2114555985"/>
       </p:ext>
     </p:extLst>
   </p:cSld>
@@ -12043,7 +10568,7 @@
           <a:p>
             <a:r>
               <a:rPr lang="es-ES_tradnl" dirty="0" err="1" smtClean="0"/>
-              <a:t>TableLayout</a:t>
+              <a:t>RelativeLayout</a:t>
             </a:r>
             <a:endParaRPr lang="es-ES_tradnl" dirty="0"/>
           </a:p>
@@ -12051,59 +10576,1733 @@
       </p:sp>
       <p:sp>
         <p:nvSpPr>
-          <p:cNvPr id="3" name="Marcador de contenido 2"/>
-          <p:cNvSpPr>
-            <a:spLocks noGrp="1"/>
-          </p:cNvSpPr>
-          <p:nvPr>
-            <p:ph idx="1"/>
-          </p:nvPr>
+          <p:cNvPr id="5" name="CuadroTexto 4"/>
+          <p:cNvSpPr txBox="1"/>
+          <p:nvPr/>
         </p:nvSpPr>
-        <p:spPr/>
+        <p:spPr>
+          <a:xfrm>
+            <a:off x="2932386" y="2144110"/>
+            <a:ext cx="9096703" cy="4616648"/>
+          </a:xfrm>
+          <a:prstGeom prst="rect">
+            <a:avLst/>
+          </a:prstGeom>
+          <a:solidFill>
+            <a:schemeClr val="tx1"/>
+          </a:solidFill>
+        </p:spPr>
         <p:txBody>
-          <a:bodyPr/>
+          <a:bodyPr wrap="square" rtlCol="0">
+            <a:spAutoFit/>
+          </a:bodyPr>
           <a:lstStyle/>
           <a:p>
-            <a:pPr marL="0" indent="0">
-              <a:buNone/>
-            </a:pPr>
-            <a:r>
-              <a:rPr lang="es-ES_tradnl" dirty="0" smtClean="0"/>
-              <a:t>Se organizan </a:t>
+            <a:r>
+              <a:rPr lang="es-ES_tradnl" sz="1200" i="1" dirty="0">
+                <a:solidFill>
+                  <a:schemeClr val="bg1"/>
+                </a:solidFill>
+              </a:rPr>
+              <a:t>&lt;?</a:t>
+            </a:r>
+            <a:r>
+              <a:rPr lang="es-ES_tradnl" sz="1200" b="1" dirty="0" err="1">
+                <a:solidFill>
+                  <a:schemeClr val="bg1"/>
+                </a:solidFill>
+              </a:rPr>
+              <a:t>xml</a:t>
+            </a:r>
+            <a:r>
+              <a:rPr lang="es-ES_tradnl" sz="1200" b="1" dirty="0">
+                <a:solidFill>
+                  <a:schemeClr val="bg1"/>
+                </a:solidFill>
+              </a:rPr>
+              <a:t> </a:t>
+            </a:r>
+            <a:r>
+              <a:rPr lang="es-ES_tradnl" sz="1200" b="1" dirty="0" err="1">
+                <a:solidFill>
+                  <a:schemeClr val="bg1"/>
+                </a:solidFill>
+              </a:rPr>
+              <a:t>version</a:t>
+            </a:r>
+            <a:r>
+              <a:rPr lang="es-ES_tradnl" sz="1200" b="1" dirty="0">
+                <a:solidFill>
+                  <a:schemeClr val="bg1"/>
+                </a:solidFill>
+              </a:rPr>
+              <a:t>="1.0" </a:t>
+            </a:r>
+            <a:r>
+              <a:rPr lang="es-ES_tradnl" sz="1200" b="1" dirty="0" err="1">
+                <a:solidFill>
+                  <a:schemeClr val="bg1"/>
+                </a:solidFill>
+              </a:rPr>
+              <a:t>encoding</a:t>
+            </a:r>
+            <a:r>
+              <a:rPr lang="es-ES_tradnl" sz="1200" b="1" dirty="0">
+                <a:solidFill>
+                  <a:schemeClr val="bg1"/>
+                </a:solidFill>
+              </a:rPr>
+              <a:t>="utf-8"</a:t>
+            </a:r>
+            <a:r>
+              <a:rPr lang="es-ES_tradnl" sz="1200" i="1" dirty="0">
+                <a:solidFill>
+                  <a:schemeClr val="bg1"/>
+                </a:solidFill>
+              </a:rPr>
+              <a:t>?&gt;</a:t>
+            </a:r>
+            <a:br>
+              <a:rPr lang="es-ES_tradnl" sz="1200" i="1" dirty="0">
+                <a:solidFill>
+                  <a:schemeClr val="bg1"/>
+                </a:solidFill>
+              </a:rPr>
+            </a:br>
+            <a:r>
+              <a:rPr lang="es-ES_tradnl" sz="1200" dirty="0">
+                <a:solidFill>
+                  <a:schemeClr val="bg1"/>
+                </a:solidFill>
+              </a:rPr>
+              <a:t>&lt;</a:t>
+            </a:r>
+            <a:r>
+              <a:rPr lang="es-ES_tradnl" sz="1200" b="1" dirty="0" err="1">
+                <a:solidFill>
+                  <a:schemeClr val="bg1"/>
+                </a:solidFill>
+              </a:rPr>
+              <a:t>RelativeLayout</a:t>
+            </a:r>
+            <a:r>
+              <a:rPr lang="es-ES_tradnl" sz="1200" b="1" dirty="0">
+                <a:solidFill>
+                  <a:schemeClr val="bg1"/>
+                </a:solidFill>
+              </a:rPr>
+              <a:t> </a:t>
+            </a:r>
+            <a:r>
+              <a:rPr lang="es-ES_tradnl" sz="1200" b="1" dirty="0" err="1" smtClean="0">
+                <a:solidFill>
+                  <a:schemeClr val="bg1"/>
+                </a:solidFill>
+              </a:rPr>
+              <a:t>android:layout_width</a:t>
+            </a:r>
+            <a:r>
+              <a:rPr lang="es-ES_tradnl" sz="1200" b="1" dirty="0">
+                <a:solidFill>
+                  <a:schemeClr val="bg1"/>
+                </a:solidFill>
+              </a:rPr>
+              <a:t>="</a:t>
+            </a:r>
+            <a:r>
+              <a:rPr lang="es-ES_tradnl" sz="1200" b="1" dirty="0" err="1">
+                <a:solidFill>
+                  <a:schemeClr val="bg1"/>
+                </a:solidFill>
+              </a:rPr>
+              <a:t>match_parent</a:t>
+            </a:r>
+            <a:r>
+              <a:rPr lang="es-ES_tradnl" sz="1200" b="1" dirty="0" smtClean="0">
+                <a:solidFill>
+                  <a:schemeClr val="bg1"/>
+                </a:solidFill>
+              </a:rPr>
+              <a:t>" </a:t>
+            </a:r>
+            <a:r>
+              <a:rPr lang="es-ES_tradnl" sz="1200" b="1" dirty="0" err="1">
+                <a:solidFill>
+                  <a:schemeClr val="bg1"/>
+                </a:solidFill>
+              </a:rPr>
+              <a:t>android:layout_height</a:t>
+            </a:r>
+            <a:r>
+              <a:rPr lang="es-ES_tradnl" sz="1200" b="1" dirty="0">
+                <a:solidFill>
+                  <a:schemeClr val="bg1"/>
+                </a:solidFill>
+              </a:rPr>
+              <a:t>="</a:t>
+            </a:r>
+            <a:r>
+              <a:rPr lang="es-ES_tradnl" sz="1200" b="1" dirty="0" err="1">
+                <a:solidFill>
+                  <a:schemeClr val="bg1"/>
+                </a:solidFill>
+              </a:rPr>
+              <a:t>match_parent</a:t>
+            </a:r>
+            <a:r>
+              <a:rPr lang="es-ES_tradnl" sz="1200" b="1" dirty="0" smtClean="0">
+                <a:solidFill>
+                  <a:schemeClr val="bg1"/>
+                </a:solidFill>
+              </a:rPr>
+              <a:t>" </a:t>
+            </a:r>
+            <a:r>
+              <a:rPr lang="es-ES_tradnl" sz="1200" b="1" dirty="0" err="1">
+                <a:solidFill>
+                  <a:schemeClr val="bg1"/>
+                </a:solidFill>
+              </a:rPr>
+              <a:t>android:gravity</a:t>
+            </a:r>
+            <a:r>
+              <a:rPr lang="es-ES_tradnl" sz="1200" b="1" dirty="0">
+                <a:solidFill>
+                  <a:schemeClr val="bg1"/>
+                </a:solidFill>
+              </a:rPr>
+              <a:t>="center"</a:t>
+            </a:r>
+            <a:r>
+              <a:rPr lang="es-ES_tradnl" sz="1200" dirty="0">
+                <a:solidFill>
+                  <a:schemeClr val="bg1"/>
+                </a:solidFill>
+              </a:rPr>
+              <a:t>&gt;</a:t>
+            </a:r>
+            <a:br>
+              <a:rPr lang="es-ES_tradnl" sz="1200" dirty="0">
+                <a:solidFill>
+                  <a:schemeClr val="bg1"/>
+                </a:solidFill>
+              </a:rPr>
+            </a:br>
+            <a:r>
+              <a:rPr lang="es-ES_tradnl" sz="1200" dirty="0">
+                <a:solidFill>
+                  <a:schemeClr val="bg1"/>
+                </a:solidFill>
+              </a:rPr>
+              <a:t/>
+            </a:r>
+            <a:br>
+              <a:rPr lang="es-ES_tradnl" sz="1200" dirty="0">
+                <a:solidFill>
+                  <a:schemeClr val="bg1"/>
+                </a:solidFill>
+              </a:rPr>
+            </a:br>
+            <a:r>
+              <a:rPr lang="es-ES_tradnl" sz="1200" dirty="0">
+                <a:solidFill>
+                  <a:schemeClr val="bg1"/>
+                </a:solidFill>
+              </a:rPr>
+              <a:t>    &lt;</a:t>
+            </a:r>
+            <a:r>
+              <a:rPr lang="es-ES_tradnl" sz="1200" b="1" dirty="0" err="1" smtClean="0">
+                <a:solidFill>
+                  <a:schemeClr val="bg1"/>
+                </a:solidFill>
+              </a:rPr>
+              <a:t>ImageView</a:t>
+            </a:r>
+            <a:r>
+              <a:rPr lang="es-ES_tradnl" sz="1200" b="1" dirty="0" smtClean="0">
+                <a:solidFill>
+                  <a:schemeClr val="bg1"/>
+                </a:solidFill>
+              </a:rPr>
+              <a:t>  </a:t>
+            </a:r>
+            <a:r>
+              <a:rPr lang="es-ES_tradnl" sz="1200" b="1" dirty="0" err="1">
+                <a:solidFill>
+                  <a:schemeClr val="bg1"/>
+                </a:solidFill>
+              </a:rPr>
+              <a:t>android:layout_width</a:t>
+            </a:r>
+            <a:r>
+              <a:rPr lang="es-ES_tradnl" sz="1200" b="1" dirty="0">
+                <a:solidFill>
+                  <a:schemeClr val="bg1"/>
+                </a:solidFill>
+              </a:rPr>
+              <a:t>="</a:t>
+            </a:r>
+            <a:r>
+              <a:rPr lang="es-ES_tradnl" sz="1200" b="1" dirty="0" smtClean="0">
+                <a:solidFill>
+                  <a:schemeClr val="bg1"/>
+                </a:solidFill>
+              </a:rPr>
+              <a:t>210dp” </a:t>
+            </a:r>
+            <a:r>
+              <a:rPr lang="es-ES_tradnl" sz="1200" b="1" dirty="0" err="1" smtClean="0">
+                <a:solidFill>
+                  <a:schemeClr val="bg1"/>
+                </a:solidFill>
+              </a:rPr>
+              <a:t>android:layout_height</a:t>
+            </a:r>
+            <a:r>
+              <a:rPr lang="es-ES_tradnl" sz="1200" b="1" dirty="0">
+                <a:solidFill>
+                  <a:schemeClr val="bg1"/>
+                </a:solidFill>
+              </a:rPr>
+              <a:t>="210dp</a:t>
+            </a:r>
+            <a:r>
+              <a:rPr lang="es-ES_tradnl" sz="1200" b="1" dirty="0" smtClean="0">
+                <a:solidFill>
+                  <a:schemeClr val="bg1"/>
+                </a:solidFill>
+              </a:rPr>
+              <a:t>" </a:t>
+            </a:r>
+            <a:r>
+              <a:rPr lang="es-ES_tradnl" sz="1200" b="1" dirty="0" err="1">
+                <a:solidFill>
+                  <a:schemeClr val="bg1"/>
+                </a:solidFill>
+              </a:rPr>
+              <a:t>android:id</a:t>
+            </a:r>
+            <a:r>
+              <a:rPr lang="es-ES_tradnl" sz="1200" b="1" dirty="0">
+                <a:solidFill>
+                  <a:schemeClr val="bg1"/>
+                </a:solidFill>
+              </a:rPr>
+              <a:t>="@+</a:t>
+            </a:r>
+            <a:r>
+              <a:rPr lang="es-ES_tradnl" sz="1200" b="1" dirty="0" smtClean="0">
+                <a:solidFill>
+                  <a:schemeClr val="bg1"/>
+                </a:solidFill>
+              </a:rPr>
+              <a:t>id/</a:t>
+            </a:r>
+            <a:r>
+              <a:rPr lang="es-ES_tradnl" sz="1200" b="1" dirty="0" err="1" smtClean="0">
+                <a:solidFill>
+                  <a:schemeClr val="bg1"/>
+                </a:solidFill>
+              </a:rPr>
+              <a:t>imageView</a:t>
+            </a:r>
+            <a:r>
+              <a:rPr lang="es-ES_tradnl" sz="1200" b="1" dirty="0" smtClean="0">
+                <a:solidFill>
+                  <a:schemeClr val="bg1"/>
+                </a:solidFill>
+              </a:rPr>
+              <a:t>"</a:t>
+            </a:r>
+            <a:br>
+              <a:rPr lang="es-ES_tradnl" sz="1200" b="1" dirty="0" smtClean="0">
+                <a:solidFill>
+                  <a:schemeClr val="bg1"/>
+                </a:solidFill>
+              </a:rPr>
+            </a:br>
+            <a:r>
+              <a:rPr lang="es-ES_tradnl" sz="1200" b="1" dirty="0" smtClean="0">
+                <a:solidFill>
+                  <a:schemeClr val="bg1"/>
+                </a:solidFill>
+              </a:rPr>
+              <a:t>        </a:t>
+            </a:r>
+            <a:r>
+              <a:rPr lang="es-ES_tradnl" sz="1200" b="1" dirty="0" err="1" smtClean="0">
+                <a:solidFill>
+                  <a:schemeClr val="bg1"/>
+                </a:solidFill>
+              </a:rPr>
+              <a:t>android:src</a:t>
+            </a:r>
+            <a:r>
+              <a:rPr lang="es-ES_tradnl" sz="1200" b="1" dirty="0">
+                <a:solidFill>
+                  <a:schemeClr val="bg1"/>
+                </a:solidFill>
+              </a:rPr>
+              <a:t>="@</a:t>
+            </a:r>
+            <a:r>
+              <a:rPr lang="es-ES_tradnl" sz="1200" b="1" dirty="0" err="1">
+                <a:solidFill>
+                  <a:schemeClr val="bg1"/>
+                </a:solidFill>
+              </a:rPr>
+              <a:t>drawable</a:t>
+            </a:r>
+            <a:r>
+              <a:rPr lang="es-ES_tradnl" sz="1200" b="1" dirty="0">
+                <a:solidFill>
+                  <a:schemeClr val="bg1"/>
+                </a:solidFill>
+              </a:rPr>
+              <a:t>/</a:t>
+            </a:r>
+            <a:r>
+              <a:rPr lang="es-ES_tradnl" sz="1200" b="1" dirty="0" err="1">
+                <a:solidFill>
+                  <a:schemeClr val="bg1"/>
+                </a:solidFill>
+              </a:rPr>
+              <a:t>imatia</a:t>
+            </a:r>
+            <a:r>
+              <a:rPr lang="es-ES_tradnl" sz="1200" b="1" dirty="0" smtClean="0">
+                <a:solidFill>
+                  <a:schemeClr val="bg1"/>
+                </a:solidFill>
+              </a:rPr>
+              <a:t>" </a:t>
+            </a:r>
+            <a:r>
+              <a:rPr lang="es-ES_tradnl" sz="1200" b="1" dirty="0" err="1">
+                <a:solidFill>
+                  <a:schemeClr val="bg1"/>
+                </a:solidFill>
+              </a:rPr>
+              <a:t>android:cropToPadding</a:t>
+            </a:r>
+            <a:r>
+              <a:rPr lang="es-ES_tradnl" sz="1200" b="1" dirty="0">
+                <a:solidFill>
+                  <a:schemeClr val="bg1"/>
+                </a:solidFill>
+              </a:rPr>
+              <a:t>="true</a:t>
+            </a:r>
+            <a:r>
+              <a:rPr lang="es-ES_tradnl" sz="1200" b="1" dirty="0" smtClean="0">
+                <a:solidFill>
+                  <a:schemeClr val="bg1"/>
+                </a:solidFill>
+              </a:rPr>
+              <a:t>" </a:t>
+            </a:r>
+            <a:r>
+              <a:rPr lang="es-ES_tradnl" sz="1200" b="1" dirty="0" err="1">
+                <a:solidFill>
+                  <a:schemeClr val="bg1"/>
+                </a:solidFill>
+              </a:rPr>
+              <a:t>android:alpha</a:t>
+            </a:r>
+            <a:r>
+              <a:rPr lang="es-ES_tradnl" sz="1200" b="1" dirty="0">
+                <a:solidFill>
+                  <a:schemeClr val="bg1"/>
+                </a:solidFill>
+              </a:rPr>
+              <a:t>="0.2</a:t>
+            </a:r>
+            <a:r>
+              <a:rPr lang="es-ES_tradnl" sz="1200" b="1" dirty="0" smtClean="0">
+                <a:solidFill>
+                  <a:schemeClr val="bg1"/>
+                </a:solidFill>
+              </a:rPr>
+              <a:t>" </a:t>
+            </a:r>
+            <a:r>
+              <a:rPr lang="es-ES_tradnl" sz="1200" b="1" dirty="0" err="1">
+                <a:solidFill>
+                  <a:schemeClr val="bg1"/>
+                </a:solidFill>
+              </a:rPr>
+              <a:t>android:layout_centerHorizontal</a:t>
+            </a:r>
+            <a:r>
+              <a:rPr lang="es-ES_tradnl" sz="1200" b="1" dirty="0">
+                <a:solidFill>
+                  <a:schemeClr val="bg1"/>
+                </a:solidFill>
+              </a:rPr>
+              <a:t>="true" </a:t>
+            </a:r>
+            <a:r>
+              <a:rPr lang="es-ES_tradnl" sz="1200" dirty="0">
+                <a:solidFill>
+                  <a:schemeClr val="bg1"/>
+                </a:solidFill>
+              </a:rPr>
+              <a:t>/&gt;</a:t>
+            </a:r>
+            <a:br>
+              <a:rPr lang="es-ES_tradnl" sz="1200" dirty="0">
+                <a:solidFill>
+                  <a:schemeClr val="bg1"/>
+                </a:solidFill>
+              </a:rPr>
+            </a:br>
+            <a:r>
+              <a:rPr lang="es-ES_tradnl" sz="1200" dirty="0">
+                <a:solidFill>
+                  <a:schemeClr val="bg1"/>
+                </a:solidFill>
+              </a:rPr>
+              <a:t/>
+            </a:r>
+            <a:br>
+              <a:rPr lang="es-ES_tradnl" sz="1200" dirty="0">
+                <a:solidFill>
+                  <a:schemeClr val="bg1"/>
+                </a:solidFill>
+              </a:rPr>
+            </a:br>
+            <a:r>
+              <a:rPr lang="es-ES_tradnl" sz="1200" dirty="0">
+                <a:solidFill>
+                  <a:schemeClr val="bg1"/>
+                </a:solidFill>
+              </a:rPr>
+              <a:t>    &lt;</a:t>
+            </a:r>
+            <a:r>
+              <a:rPr lang="es-ES_tradnl" sz="1200" b="1" dirty="0" err="1" smtClean="0">
+                <a:solidFill>
+                  <a:schemeClr val="bg1"/>
+                </a:solidFill>
+              </a:rPr>
+              <a:t>EditText</a:t>
+            </a:r>
+            <a:r>
+              <a:rPr lang="es-ES_tradnl" sz="1200" b="1" dirty="0" smtClean="0">
+                <a:solidFill>
+                  <a:schemeClr val="bg1"/>
+                </a:solidFill>
+              </a:rPr>
+              <a:t> </a:t>
+            </a:r>
+            <a:r>
+              <a:rPr lang="es-ES_tradnl" sz="1200" b="1" dirty="0" err="1">
+                <a:solidFill>
+                  <a:schemeClr val="bg1"/>
+                </a:solidFill>
+              </a:rPr>
+              <a:t>android:layout_width</a:t>
+            </a:r>
+            <a:r>
+              <a:rPr lang="es-ES_tradnl" sz="1200" b="1" dirty="0">
+                <a:solidFill>
+                  <a:schemeClr val="bg1"/>
+                </a:solidFill>
+              </a:rPr>
+              <a:t>="</a:t>
+            </a:r>
+            <a:r>
+              <a:rPr lang="es-ES_tradnl" sz="1200" b="1" dirty="0" err="1" smtClean="0">
+                <a:solidFill>
+                  <a:schemeClr val="bg1"/>
+                </a:solidFill>
+              </a:rPr>
+              <a:t>match_parent</a:t>
+            </a:r>
+            <a:r>
+              <a:rPr lang="es-ES_tradnl" sz="1200" b="1" dirty="0" smtClean="0">
+                <a:solidFill>
+                  <a:schemeClr val="bg1"/>
+                </a:solidFill>
+              </a:rPr>
+              <a:t>” </a:t>
+            </a:r>
+            <a:r>
+              <a:rPr lang="es-ES_tradnl" sz="1200" b="1" dirty="0" err="1" smtClean="0">
+                <a:solidFill>
+                  <a:schemeClr val="bg1"/>
+                </a:solidFill>
+              </a:rPr>
+              <a:t>android:layout_height</a:t>
+            </a:r>
+            <a:r>
+              <a:rPr lang="es-ES_tradnl" sz="1200" b="1" dirty="0">
+                <a:solidFill>
+                  <a:schemeClr val="bg1"/>
+                </a:solidFill>
+              </a:rPr>
+              <a:t>="</a:t>
+            </a:r>
+            <a:r>
+              <a:rPr lang="es-ES_tradnl" sz="1200" b="1" dirty="0" err="1" smtClean="0">
+                <a:solidFill>
+                  <a:schemeClr val="bg1"/>
+                </a:solidFill>
+              </a:rPr>
+              <a:t>wrap_content</a:t>
+            </a:r>
+            <a:r>
+              <a:rPr lang="es-ES_tradnl" sz="1200" b="1" dirty="0" smtClean="0">
+                <a:solidFill>
+                  <a:schemeClr val="bg1"/>
+                </a:solidFill>
+              </a:rPr>
+              <a:t>"</a:t>
+            </a:r>
+            <a:br>
+              <a:rPr lang="es-ES_tradnl" sz="1200" b="1" dirty="0" smtClean="0">
+                <a:solidFill>
+                  <a:schemeClr val="bg1"/>
+                </a:solidFill>
+              </a:rPr>
+            </a:br>
+            <a:r>
+              <a:rPr lang="es-ES_tradnl" sz="1200" b="1" dirty="0" smtClean="0">
+                <a:solidFill>
+                  <a:schemeClr val="bg1"/>
+                </a:solidFill>
+              </a:rPr>
+              <a:t>        </a:t>
+            </a:r>
+            <a:r>
+              <a:rPr lang="es-ES_tradnl" sz="1200" b="1" dirty="0" err="1" smtClean="0">
+                <a:solidFill>
+                  <a:schemeClr val="bg1"/>
+                </a:solidFill>
+              </a:rPr>
+              <a:t>android:id</a:t>
+            </a:r>
+            <a:r>
+              <a:rPr lang="es-ES_tradnl" sz="1200" b="1" dirty="0">
+                <a:solidFill>
+                  <a:schemeClr val="bg1"/>
+                </a:solidFill>
+              </a:rPr>
+              <a:t>="@+</a:t>
+            </a:r>
+            <a:r>
+              <a:rPr lang="es-ES_tradnl" sz="1200" b="1" dirty="0" smtClean="0">
+                <a:solidFill>
+                  <a:schemeClr val="bg1"/>
+                </a:solidFill>
+              </a:rPr>
+              <a:t>id/</a:t>
+            </a:r>
+            <a:r>
+              <a:rPr lang="es-ES_tradnl" sz="1200" b="1" dirty="0" err="1" smtClean="0">
+                <a:solidFill>
+                  <a:schemeClr val="bg1"/>
+                </a:solidFill>
+              </a:rPr>
+              <a:t>user</a:t>
+            </a:r>
+            <a:r>
+              <a:rPr lang="es-ES_tradnl" sz="1200" b="1" dirty="0" smtClean="0">
+                <a:solidFill>
+                  <a:schemeClr val="bg1"/>
+                </a:solidFill>
+              </a:rPr>
+              <a:t>"  </a:t>
+            </a:r>
+            <a:r>
+              <a:rPr lang="es-ES_tradnl" sz="1200" b="1" dirty="0" err="1" smtClean="0">
+                <a:solidFill>
+                  <a:schemeClr val="bg1"/>
+                </a:solidFill>
+              </a:rPr>
+              <a:t>android:hint</a:t>
+            </a:r>
+            <a:r>
+              <a:rPr lang="es-ES_tradnl" sz="1200" b="1" dirty="0">
+                <a:solidFill>
+                  <a:schemeClr val="bg1"/>
+                </a:solidFill>
+              </a:rPr>
+              <a:t>="</a:t>
+            </a:r>
+            <a:r>
+              <a:rPr lang="es-ES_tradnl" sz="1200" b="1" dirty="0" smtClean="0">
+                <a:solidFill>
+                  <a:schemeClr val="bg1"/>
+                </a:solidFill>
+              </a:rPr>
+              <a:t>Usuario” </a:t>
+            </a:r>
+            <a:r>
+              <a:rPr lang="es-ES_tradnl" sz="1200" b="1" dirty="0" err="1" smtClean="0">
+                <a:solidFill>
+                  <a:schemeClr val="bg1"/>
+                </a:solidFill>
+              </a:rPr>
+              <a:t>android:layout_below</a:t>
+            </a:r>
+            <a:r>
+              <a:rPr lang="es-ES_tradnl" sz="1200" b="1" dirty="0">
+                <a:solidFill>
+                  <a:schemeClr val="bg1"/>
+                </a:solidFill>
+              </a:rPr>
+              <a:t>="@id/</a:t>
+            </a:r>
+            <a:r>
+              <a:rPr lang="es-ES_tradnl" sz="1200" b="1" dirty="0" err="1">
+                <a:solidFill>
+                  <a:schemeClr val="bg1"/>
+                </a:solidFill>
+              </a:rPr>
+              <a:t>imageView</a:t>
+            </a:r>
+            <a:r>
+              <a:rPr lang="es-ES_tradnl" sz="1200" b="1" dirty="0">
+                <a:solidFill>
+                  <a:schemeClr val="bg1"/>
+                </a:solidFill>
+              </a:rPr>
+              <a:t>"</a:t>
+            </a:r>
+            <a:r>
+              <a:rPr lang="es-ES_tradnl" sz="1200" dirty="0">
+                <a:solidFill>
+                  <a:schemeClr val="bg1"/>
+                </a:solidFill>
+              </a:rPr>
+              <a:t>/&gt;</a:t>
+            </a:r>
+            <a:br>
+              <a:rPr lang="es-ES_tradnl" sz="1200" dirty="0">
+                <a:solidFill>
+                  <a:schemeClr val="bg1"/>
+                </a:solidFill>
+              </a:rPr>
+            </a:br>
+            <a:r>
+              <a:rPr lang="es-ES_tradnl" sz="1200" dirty="0">
+                <a:solidFill>
+                  <a:schemeClr val="bg1"/>
+                </a:solidFill>
+              </a:rPr>
+              <a:t/>
+            </a:r>
+            <a:br>
+              <a:rPr lang="es-ES_tradnl" sz="1200" dirty="0">
+                <a:solidFill>
+                  <a:schemeClr val="bg1"/>
+                </a:solidFill>
+              </a:rPr>
+            </a:br>
+            <a:r>
+              <a:rPr lang="es-ES_tradnl" sz="1200" dirty="0">
+                <a:solidFill>
+                  <a:schemeClr val="bg1"/>
+                </a:solidFill>
+              </a:rPr>
+              <a:t>    &lt;</a:t>
+            </a:r>
+            <a:r>
+              <a:rPr lang="es-ES_tradnl" sz="1200" b="1" dirty="0" err="1" smtClean="0">
+                <a:solidFill>
+                  <a:schemeClr val="bg1"/>
+                </a:solidFill>
+              </a:rPr>
+              <a:t>EditText</a:t>
+            </a:r>
+            <a:r>
+              <a:rPr lang="es-ES_tradnl" sz="1200" b="1" dirty="0" smtClean="0">
+                <a:solidFill>
+                  <a:schemeClr val="bg1"/>
+                </a:solidFill>
+              </a:rPr>
+              <a:t>  </a:t>
+            </a:r>
+            <a:r>
+              <a:rPr lang="es-ES_tradnl" sz="1200" b="1" dirty="0" err="1">
+                <a:solidFill>
+                  <a:schemeClr val="bg1"/>
+                </a:solidFill>
+              </a:rPr>
+              <a:t>android:layout_width</a:t>
+            </a:r>
+            <a:r>
+              <a:rPr lang="es-ES_tradnl" sz="1200" b="1" dirty="0">
+                <a:solidFill>
+                  <a:schemeClr val="bg1"/>
+                </a:solidFill>
+              </a:rPr>
+              <a:t>="</a:t>
+            </a:r>
+            <a:r>
+              <a:rPr lang="es-ES_tradnl" sz="1200" b="1" dirty="0" err="1" smtClean="0">
+                <a:solidFill>
+                  <a:schemeClr val="bg1"/>
+                </a:solidFill>
+              </a:rPr>
+              <a:t>match_parent</a:t>
+            </a:r>
+            <a:r>
+              <a:rPr lang="es-ES_tradnl" sz="1200" b="1" dirty="0" smtClean="0">
+                <a:solidFill>
+                  <a:schemeClr val="bg1"/>
+                </a:solidFill>
+              </a:rPr>
+              <a:t>”  </a:t>
+            </a:r>
+            <a:r>
+              <a:rPr lang="es-ES_tradnl" sz="1200" b="1" dirty="0" err="1">
+                <a:solidFill>
+                  <a:schemeClr val="bg1"/>
+                </a:solidFill>
+              </a:rPr>
+              <a:t>android:layout_height</a:t>
+            </a:r>
+            <a:r>
+              <a:rPr lang="es-ES_tradnl" sz="1200" b="1" dirty="0">
+                <a:solidFill>
+                  <a:schemeClr val="bg1"/>
+                </a:solidFill>
+              </a:rPr>
+              <a:t>="</a:t>
+            </a:r>
+            <a:r>
+              <a:rPr lang="es-ES_tradnl" sz="1200" b="1" dirty="0" err="1">
+                <a:solidFill>
+                  <a:schemeClr val="bg1"/>
+                </a:solidFill>
+              </a:rPr>
+              <a:t>wrap_content</a:t>
+            </a:r>
+            <a:r>
+              <a:rPr lang="es-ES_tradnl" sz="1200" b="1" dirty="0">
+                <a:solidFill>
+                  <a:schemeClr val="bg1"/>
+                </a:solidFill>
+              </a:rPr>
+              <a:t>"</a:t>
+            </a:r>
+            <a:br>
+              <a:rPr lang="es-ES_tradnl" sz="1200" b="1" dirty="0">
+                <a:solidFill>
+                  <a:schemeClr val="bg1"/>
+                </a:solidFill>
+              </a:rPr>
+            </a:br>
+            <a:r>
+              <a:rPr lang="es-ES_tradnl" sz="1200" b="1" dirty="0">
+                <a:solidFill>
+                  <a:schemeClr val="bg1"/>
+                </a:solidFill>
+              </a:rPr>
+              <a:t>        </a:t>
+            </a:r>
+            <a:r>
+              <a:rPr lang="es-ES_tradnl" sz="1200" b="1" dirty="0" err="1">
+                <a:solidFill>
+                  <a:schemeClr val="bg1"/>
+                </a:solidFill>
+              </a:rPr>
+              <a:t>android:inputType</a:t>
+            </a:r>
+            <a:r>
+              <a:rPr lang="es-ES_tradnl" sz="1200" b="1" dirty="0">
+                <a:solidFill>
+                  <a:schemeClr val="bg1"/>
+                </a:solidFill>
+              </a:rPr>
+              <a:t>="</a:t>
+            </a:r>
+            <a:r>
+              <a:rPr lang="es-ES_tradnl" sz="1200" b="1" dirty="0" err="1">
+                <a:solidFill>
+                  <a:schemeClr val="bg1"/>
+                </a:solidFill>
+              </a:rPr>
+              <a:t>textPassword</a:t>
+            </a:r>
+            <a:r>
+              <a:rPr lang="es-ES_tradnl" sz="1200" b="1" dirty="0" smtClean="0">
+                <a:solidFill>
+                  <a:schemeClr val="bg1"/>
+                </a:solidFill>
+              </a:rPr>
+              <a:t>" </a:t>
+            </a:r>
+            <a:r>
+              <a:rPr lang="es-ES_tradnl" sz="1200" b="1" dirty="0" err="1">
+                <a:solidFill>
+                  <a:schemeClr val="bg1"/>
+                </a:solidFill>
+              </a:rPr>
+              <a:t>android:ems</a:t>
+            </a:r>
+            <a:r>
+              <a:rPr lang="es-ES_tradnl" sz="1200" b="1" dirty="0">
+                <a:solidFill>
+                  <a:schemeClr val="bg1"/>
+                </a:solidFill>
+              </a:rPr>
+              <a:t>="</a:t>
+            </a:r>
+            <a:r>
+              <a:rPr lang="es-ES_tradnl" sz="1200" b="1" dirty="0" smtClean="0">
+                <a:solidFill>
+                  <a:schemeClr val="bg1"/>
+                </a:solidFill>
+              </a:rPr>
+              <a:t>10” </a:t>
+            </a:r>
+            <a:r>
+              <a:rPr lang="es-ES_tradnl" sz="1200" b="1" dirty="0" err="1" smtClean="0">
+                <a:solidFill>
+                  <a:schemeClr val="bg1"/>
+                </a:solidFill>
+              </a:rPr>
+              <a:t>android:id</a:t>
+            </a:r>
+            <a:r>
+              <a:rPr lang="es-ES_tradnl" sz="1200" b="1" dirty="0">
+                <a:solidFill>
+                  <a:schemeClr val="bg1"/>
+                </a:solidFill>
+              </a:rPr>
+              <a:t>="@+id/</a:t>
+            </a:r>
+            <a:r>
+              <a:rPr lang="es-ES_tradnl" sz="1200" b="1" dirty="0" err="1">
+                <a:solidFill>
+                  <a:schemeClr val="bg1"/>
+                </a:solidFill>
+              </a:rPr>
+              <a:t>password</a:t>
+            </a:r>
+            <a:r>
+              <a:rPr lang="es-ES_tradnl" sz="1200" b="1" dirty="0">
+                <a:solidFill>
+                  <a:schemeClr val="bg1"/>
+                </a:solidFill>
+              </a:rPr>
+              <a:t>"</a:t>
+            </a:r>
+            <a:br>
+              <a:rPr lang="es-ES_tradnl" sz="1200" b="1" dirty="0">
+                <a:solidFill>
+                  <a:schemeClr val="bg1"/>
+                </a:solidFill>
+              </a:rPr>
+            </a:br>
+            <a:r>
+              <a:rPr lang="es-ES_tradnl" sz="1200" b="1" dirty="0">
+                <a:solidFill>
+                  <a:schemeClr val="bg1"/>
+                </a:solidFill>
+              </a:rPr>
+              <a:t>        </a:t>
+            </a:r>
+            <a:r>
+              <a:rPr lang="es-ES_tradnl" sz="1200" b="1" dirty="0" err="1">
+                <a:solidFill>
+                  <a:schemeClr val="bg1"/>
+                </a:solidFill>
+              </a:rPr>
+              <a:t>android:hint</a:t>
+            </a:r>
+            <a:r>
+              <a:rPr lang="es-ES_tradnl" sz="1200" b="1" dirty="0">
+                <a:solidFill>
+                  <a:schemeClr val="bg1"/>
+                </a:solidFill>
+              </a:rPr>
+              <a:t>="</a:t>
+            </a:r>
+            <a:r>
+              <a:rPr lang="es-ES_tradnl" sz="1200" b="1" dirty="0" err="1">
+                <a:solidFill>
+                  <a:schemeClr val="bg1"/>
+                </a:solidFill>
+              </a:rPr>
+              <a:t>Password</a:t>
+            </a:r>
+            <a:r>
+              <a:rPr lang="es-ES_tradnl" sz="1200" b="1" dirty="0" smtClean="0">
+                <a:solidFill>
+                  <a:schemeClr val="bg1"/>
+                </a:solidFill>
+              </a:rPr>
+              <a:t>" </a:t>
+            </a:r>
+            <a:r>
+              <a:rPr lang="es-ES_tradnl" sz="1200" b="1" dirty="0" err="1">
+                <a:solidFill>
+                  <a:schemeClr val="bg1"/>
+                </a:solidFill>
+              </a:rPr>
+              <a:t>android:layout_below</a:t>
+            </a:r>
+            <a:r>
+              <a:rPr lang="es-ES_tradnl" sz="1200" b="1" dirty="0">
+                <a:solidFill>
+                  <a:schemeClr val="bg1"/>
+                </a:solidFill>
+              </a:rPr>
+              <a:t>="@id/</a:t>
+            </a:r>
+            <a:r>
+              <a:rPr lang="es-ES_tradnl" sz="1200" b="1" dirty="0" err="1">
+                <a:solidFill>
+                  <a:schemeClr val="bg1"/>
+                </a:solidFill>
+              </a:rPr>
+              <a:t>user</a:t>
+            </a:r>
+            <a:r>
+              <a:rPr lang="es-ES_tradnl" sz="1200" b="1" dirty="0">
+                <a:solidFill>
+                  <a:schemeClr val="bg1"/>
+                </a:solidFill>
+              </a:rPr>
+              <a:t>"</a:t>
+            </a:r>
+            <a:r>
+              <a:rPr lang="es-ES_tradnl" sz="1200" dirty="0">
+                <a:solidFill>
+                  <a:schemeClr val="bg1"/>
+                </a:solidFill>
+              </a:rPr>
+              <a:t>/&gt;</a:t>
+            </a:r>
+            <a:br>
+              <a:rPr lang="es-ES_tradnl" sz="1200" dirty="0">
+                <a:solidFill>
+                  <a:schemeClr val="bg1"/>
+                </a:solidFill>
+              </a:rPr>
+            </a:br>
+            <a:r>
+              <a:rPr lang="es-ES_tradnl" sz="1200" dirty="0">
+                <a:solidFill>
+                  <a:schemeClr val="bg1"/>
+                </a:solidFill>
+              </a:rPr>
+              <a:t/>
+            </a:r>
+            <a:br>
+              <a:rPr lang="es-ES_tradnl" sz="1200" dirty="0">
+                <a:solidFill>
+                  <a:schemeClr val="bg1"/>
+                </a:solidFill>
+              </a:rPr>
+            </a:br>
+            <a:r>
+              <a:rPr lang="es-ES_tradnl" sz="1200" dirty="0">
+                <a:solidFill>
+                  <a:schemeClr val="bg1"/>
+                </a:solidFill>
+              </a:rPr>
+              <a:t>    &lt;</a:t>
+            </a:r>
+            <a:r>
+              <a:rPr lang="es-ES_tradnl" sz="1200" b="1" dirty="0" err="1" smtClean="0">
+                <a:solidFill>
+                  <a:schemeClr val="bg1"/>
+                </a:solidFill>
+              </a:rPr>
+              <a:t>Button</a:t>
+            </a:r>
+            <a:r>
+              <a:rPr lang="es-ES_tradnl" sz="1200" b="1" dirty="0" smtClean="0">
+                <a:solidFill>
+                  <a:schemeClr val="bg1"/>
+                </a:solidFill>
+              </a:rPr>
+              <a:t>  </a:t>
+            </a:r>
+            <a:r>
+              <a:rPr lang="es-ES_tradnl" sz="1200" b="1" dirty="0" err="1">
+                <a:solidFill>
+                  <a:schemeClr val="bg1"/>
+                </a:solidFill>
+              </a:rPr>
+              <a:t>android:layout_width</a:t>
+            </a:r>
+            <a:r>
+              <a:rPr lang="es-ES_tradnl" sz="1200" b="1" dirty="0">
+                <a:solidFill>
+                  <a:schemeClr val="bg1"/>
+                </a:solidFill>
+              </a:rPr>
+              <a:t>="</a:t>
+            </a:r>
+            <a:r>
+              <a:rPr lang="es-ES_tradnl" sz="1200" b="1" dirty="0" err="1" smtClean="0">
+                <a:solidFill>
+                  <a:schemeClr val="bg1"/>
+                </a:solidFill>
+              </a:rPr>
+              <a:t>wrap_content</a:t>
+            </a:r>
+            <a:r>
+              <a:rPr lang="es-ES_tradnl" sz="1200" b="1" dirty="0" smtClean="0">
+                <a:solidFill>
+                  <a:schemeClr val="bg1"/>
+                </a:solidFill>
+              </a:rPr>
+              <a:t>” </a:t>
+            </a:r>
+            <a:r>
+              <a:rPr lang="es-ES_tradnl" sz="1200" b="1" dirty="0" err="1" smtClean="0">
+                <a:solidFill>
+                  <a:schemeClr val="bg1"/>
+                </a:solidFill>
+              </a:rPr>
+              <a:t>android:layout_height</a:t>
+            </a:r>
+            <a:r>
+              <a:rPr lang="es-ES_tradnl" sz="1200" b="1" dirty="0">
+                <a:solidFill>
+                  <a:schemeClr val="bg1"/>
+                </a:solidFill>
+              </a:rPr>
+              <a:t>="</a:t>
+            </a:r>
+            <a:r>
+              <a:rPr lang="es-ES_tradnl" sz="1200" b="1" dirty="0" err="1">
+                <a:solidFill>
+                  <a:schemeClr val="bg1"/>
+                </a:solidFill>
+              </a:rPr>
+              <a:t>wrap_content</a:t>
+            </a:r>
+            <a:r>
+              <a:rPr lang="es-ES_tradnl" sz="1200" b="1" dirty="0">
+                <a:solidFill>
+                  <a:schemeClr val="bg1"/>
+                </a:solidFill>
+              </a:rPr>
+              <a:t>"</a:t>
+            </a:r>
+            <a:br>
+              <a:rPr lang="es-ES_tradnl" sz="1200" b="1" dirty="0">
+                <a:solidFill>
+                  <a:schemeClr val="bg1"/>
+                </a:solidFill>
+              </a:rPr>
+            </a:br>
+            <a:r>
+              <a:rPr lang="es-ES_tradnl" sz="1200" b="1" dirty="0">
+                <a:solidFill>
+                  <a:schemeClr val="bg1"/>
+                </a:solidFill>
+              </a:rPr>
+              <a:t>        </a:t>
+            </a:r>
+            <a:r>
+              <a:rPr lang="es-ES_tradnl" sz="1200" b="1" dirty="0" err="1">
+                <a:solidFill>
+                  <a:schemeClr val="bg1"/>
+                </a:solidFill>
+              </a:rPr>
+              <a:t>android:text</a:t>
+            </a:r>
+            <a:r>
+              <a:rPr lang="es-ES_tradnl" sz="1200" b="1" dirty="0">
+                <a:solidFill>
+                  <a:schemeClr val="bg1"/>
+                </a:solidFill>
+              </a:rPr>
+              <a:t>="</a:t>
+            </a:r>
+            <a:r>
+              <a:rPr lang="es-ES_tradnl" sz="1200" b="1" dirty="0" err="1">
+                <a:solidFill>
+                  <a:schemeClr val="bg1"/>
+                </a:solidFill>
+              </a:rPr>
+              <a:t>Login</a:t>
+            </a:r>
+            <a:r>
+              <a:rPr lang="es-ES_tradnl" sz="1200" b="1" dirty="0" smtClean="0">
+                <a:solidFill>
+                  <a:schemeClr val="bg1"/>
+                </a:solidFill>
+              </a:rPr>
+              <a:t>"  </a:t>
+            </a:r>
+            <a:r>
+              <a:rPr lang="es-ES_tradnl" sz="1200" b="1" dirty="0" err="1">
+                <a:solidFill>
+                  <a:schemeClr val="bg1"/>
+                </a:solidFill>
+              </a:rPr>
+              <a:t>android:id</a:t>
+            </a:r>
+            <a:r>
+              <a:rPr lang="es-ES_tradnl" sz="1200" b="1" dirty="0">
+                <a:solidFill>
+                  <a:schemeClr val="bg1"/>
+                </a:solidFill>
+              </a:rPr>
+              <a:t>="@+id/</a:t>
+            </a:r>
+            <a:r>
+              <a:rPr lang="es-ES_tradnl" sz="1200" b="1" dirty="0" err="1">
+                <a:solidFill>
+                  <a:schemeClr val="bg1"/>
+                </a:solidFill>
+              </a:rPr>
+              <a:t>login</a:t>
+            </a:r>
+            <a:r>
+              <a:rPr lang="es-ES_tradnl" sz="1200" b="1" dirty="0" smtClean="0">
+                <a:solidFill>
+                  <a:schemeClr val="bg1"/>
+                </a:solidFill>
+              </a:rPr>
+              <a:t>" </a:t>
+            </a:r>
+            <a:r>
+              <a:rPr lang="es-ES_tradnl" sz="1200" b="1" dirty="0" err="1">
+                <a:solidFill>
+                  <a:schemeClr val="bg1"/>
+                </a:solidFill>
+              </a:rPr>
+              <a:t>android:layout_below</a:t>
+            </a:r>
+            <a:r>
+              <a:rPr lang="es-ES_tradnl" sz="1200" b="1" dirty="0">
+                <a:solidFill>
+                  <a:schemeClr val="bg1"/>
+                </a:solidFill>
+              </a:rPr>
+              <a:t>="@id/</a:t>
+            </a:r>
+            <a:r>
+              <a:rPr lang="es-ES_tradnl" sz="1200" b="1" dirty="0" err="1">
+                <a:solidFill>
+                  <a:schemeClr val="bg1"/>
+                </a:solidFill>
+              </a:rPr>
+              <a:t>password</a:t>
+            </a:r>
+            <a:r>
+              <a:rPr lang="es-ES_tradnl" sz="1200" b="1" dirty="0">
+                <a:solidFill>
+                  <a:schemeClr val="bg1"/>
+                </a:solidFill>
+              </a:rPr>
+              <a:t>"</a:t>
+            </a:r>
+            <a:br>
+              <a:rPr lang="es-ES_tradnl" sz="1200" b="1" dirty="0">
+                <a:solidFill>
+                  <a:schemeClr val="bg1"/>
+                </a:solidFill>
+              </a:rPr>
+            </a:br>
+            <a:r>
+              <a:rPr lang="es-ES_tradnl" sz="1200" b="1" dirty="0">
+                <a:solidFill>
+                  <a:schemeClr val="bg1"/>
+                </a:solidFill>
+              </a:rPr>
+              <a:t>        </a:t>
+            </a:r>
+            <a:r>
+              <a:rPr lang="es-ES_tradnl" sz="1200" b="1" dirty="0" err="1">
+                <a:solidFill>
+                  <a:schemeClr val="bg1"/>
+                </a:solidFill>
+              </a:rPr>
+              <a:t>android:layout_alignParentRight</a:t>
+            </a:r>
+            <a:r>
+              <a:rPr lang="es-ES_tradnl" sz="1200" b="1" dirty="0">
+                <a:solidFill>
+                  <a:schemeClr val="bg1"/>
+                </a:solidFill>
+              </a:rPr>
+              <a:t>="true"</a:t>
+            </a:r>
+            <a:r>
+              <a:rPr lang="es-ES_tradnl" sz="1200" dirty="0">
+                <a:solidFill>
+                  <a:schemeClr val="bg1"/>
+                </a:solidFill>
+              </a:rPr>
+              <a:t>/&gt;</a:t>
+            </a:r>
+            <a:br>
+              <a:rPr lang="es-ES_tradnl" sz="1200" dirty="0">
+                <a:solidFill>
+                  <a:schemeClr val="bg1"/>
+                </a:solidFill>
+              </a:rPr>
+            </a:br>
+            <a:r>
+              <a:rPr lang="es-ES_tradnl" sz="1200" dirty="0">
+                <a:solidFill>
+                  <a:schemeClr val="bg1"/>
+                </a:solidFill>
+              </a:rPr>
+              <a:t/>
+            </a:r>
+            <a:br>
+              <a:rPr lang="es-ES_tradnl" sz="1200" dirty="0">
+                <a:solidFill>
+                  <a:schemeClr val="bg1"/>
+                </a:solidFill>
+              </a:rPr>
+            </a:br>
+            <a:r>
+              <a:rPr lang="es-ES_tradnl" sz="1200" dirty="0">
+                <a:solidFill>
+                  <a:schemeClr val="bg1"/>
+                </a:solidFill>
+              </a:rPr>
+              <a:t>    &lt;</a:t>
+            </a:r>
+            <a:r>
+              <a:rPr lang="es-ES_tradnl" sz="1200" b="1" dirty="0" err="1" smtClean="0">
+                <a:solidFill>
+                  <a:schemeClr val="bg1"/>
+                </a:solidFill>
+              </a:rPr>
+              <a:t>TextView</a:t>
+            </a:r>
+            <a:r>
+              <a:rPr lang="es-ES_tradnl" sz="1200" b="1" dirty="0" smtClean="0">
+                <a:solidFill>
+                  <a:schemeClr val="bg1"/>
+                </a:solidFill>
+              </a:rPr>
+              <a:t> </a:t>
+            </a:r>
+            <a:r>
+              <a:rPr lang="es-ES_tradnl" sz="1200" b="1" dirty="0" err="1" smtClean="0">
+                <a:solidFill>
+                  <a:schemeClr val="bg1"/>
+                </a:solidFill>
+              </a:rPr>
+              <a:t>android:layout_width</a:t>
+            </a:r>
+            <a:r>
+              <a:rPr lang="es-ES_tradnl" sz="1200" b="1" dirty="0">
+                <a:solidFill>
+                  <a:schemeClr val="bg1"/>
+                </a:solidFill>
+              </a:rPr>
+              <a:t>="</a:t>
+            </a:r>
+            <a:r>
+              <a:rPr lang="es-ES_tradnl" sz="1200" b="1" dirty="0" err="1" smtClean="0">
+                <a:solidFill>
+                  <a:schemeClr val="bg1"/>
+                </a:solidFill>
+              </a:rPr>
+              <a:t>wrap_content</a:t>
+            </a:r>
+            <a:r>
+              <a:rPr lang="es-ES_tradnl" sz="1200" b="1" dirty="0" smtClean="0">
+                <a:solidFill>
+                  <a:schemeClr val="bg1"/>
+                </a:solidFill>
+              </a:rPr>
+              <a:t>” </a:t>
+            </a:r>
+            <a:r>
+              <a:rPr lang="es-ES_tradnl" sz="1200" b="1" dirty="0" err="1" smtClean="0">
+                <a:solidFill>
+                  <a:schemeClr val="bg1"/>
+                </a:solidFill>
+              </a:rPr>
+              <a:t>android:layout_height</a:t>
+            </a:r>
+            <a:r>
+              <a:rPr lang="es-ES_tradnl" sz="1200" b="1" dirty="0">
+                <a:solidFill>
+                  <a:schemeClr val="bg1"/>
+                </a:solidFill>
+              </a:rPr>
+              <a:t>="</a:t>
+            </a:r>
+            <a:r>
+              <a:rPr lang="es-ES_tradnl" sz="1200" b="1" dirty="0" err="1" smtClean="0">
+                <a:solidFill>
+                  <a:schemeClr val="bg1"/>
+                </a:solidFill>
+              </a:rPr>
+              <a:t>wrap_content</a:t>
+            </a:r>
+            <a:r>
+              <a:rPr lang="es-ES_tradnl" sz="1200" b="1" dirty="0" smtClean="0">
+                <a:solidFill>
+                  <a:schemeClr val="bg1"/>
+                </a:solidFill>
+              </a:rPr>
+              <a:t>” </a:t>
+            </a:r>
+            <a:r>
+              <a:rPr lang="es-ES_tradnl" sz="1200" b="1" dirty="0" err="1" smtClean="0">
+                <a:solidFill>
+                  <a:schemeClr val="bg1"/>
+                </a:solidFill>
+              </a:rPr>
+              <a:t>android:textAppearance</a:t>
+            </a:r>
+            <a:r>
+              <a:rPr lang="es-ES_tradnl" sz="1200" b="1" dirty="0">
+                <a:solidFill>
+                  <a:schemeClr val="bg1"/>
+                </a:solidFill>
+              </a:rPr>
+              <a:t>="?</a:t>
+            </a:r>
+            <a:r>
+              <a:rPr lang="es-ES_tradnl" sz="1200" b="1" dirty="0" err="1">
+                <a:solidFill>
+                  <a:schemeClr val="bg1"/>
+                </a:solidFill>
+              </a:rPr>
+              <a:t>android:attr</a:t>
+            </a:r>
+            <a:r>
+              <a:rPr lang="es-ES_tradnl" sz="1200" b="1" dirty="0">
+                <a:solidFill>
+                  <a:schemeClr val="bg1"/>
+                </a:solidFill>
+              </a:rPr>
+              <a:t>/</a:t>
+            </a:r>
+            <a:r>
+              <a:rPr lang="es-ES_tradnl" sz="1200" b="1" dirty="0" err="1">
+                <a:solidFill>
+                  <a:schemeClr val="bg1"/>
+                </a:solidFill>
+              </a:rPr>
+              <a:t>textAppearanceSmall</a:t>
+            </a:r>
+            <a:r>
+              <a:rPr lang="es-ES_tradnl" sz="1200" b="1" dirty="0" smtClean="0">
+                <a:solidFill>
+                  <a:schemeClr val="bg1"/>
+                </a:solidFill>
+              </a:rPr>
+              <a:t>" </a:t>
+            </a:r>
+            <a:r>
+              <a:rPr lang="es-ES_tradnl" sz="1200" b="1" dirty="0" err="1">
+                <a:solidFill>
+                  <a:schemeClr val="bg1"/>
+                </a:solidFill>
+              </a:rPr>
+              <a:t>android:text</a:t>
+            </a:r>
+            <a:r>
+              <a:rPr lang="es-ES_tradnl" sz="1200" b="1" dirty="0">
+                <a:solidFill>
+                  <a:schemeClr val="bg1"/>
+                </a:solidFill>
+              </a:rPr>
+              <a:t>="Contraseña olvidada?"</a:t>
+            </a:r>
+            <a:br>
+              <a:rPr lang="es-ES_tradnl" sz="1200" b="1" dirty="0">
+                <a:solidFill>
+                  <a:schemeClr val="bg1"/>
+                </a:solidFill>
+              </a:rPr>
+            </a:br>
+            <a:r>
+              <a:rPr lang="es-ES_tradnl" sz="1200" b="1" dirty="0">
+                <a:solidFill>
+                  <a:schemeClr val="bg1"/>
+                </a:solidFill>
+              </a:rPr>
+              <a:t>        </a:t>
+            </a:r>
+            <a:r>
+              <a:rPr lang="es-ES_tradnl" sz="1200" b="1" dirty="0" err="1">
+                <a:solidFill>
+                  <a:schemeClr val="bg1"/>
+                </a:solidFill>
+              </a:rPr>
+              <a:t>android:id</a:t>
+            </a:r>
+            <a:r>
+              <a:rPr lang="es-ES_tradnl" sz="1200" b="1" dirty="0">
+                <a:solidFill>
+                  <a:schemeClr val="bg1"/>
+                </a:solidFill>
+              </a:rPr>
+              <a:t>="@+</a:t>
+            </a:r>
+            <a:r>
+              <a:rPr lang="es-ES_tradnl" sz="1200" b="1" dirty="0" smtClean="0">
+                <a:solidFill>
+                  <a:schemeClr val="bg1"/>
+                </a:solidFill>
+              </a:rPr>
+              <a:t>id/</a:t>
+            </a:r>
+            <a:r>
+              <a:rPr lang="es-ES_tradnl" sz="1200" b="1" dirty="0" err="1" smtClean="0">
+                <a:solidFill>
+                  <a:schemeClr val="bg1"/>
+                </a:solidFill>
+              </a:rPr>
+              <a:t>textView</a:t>
+            </a:r>
+            <a:r>
+              <a:rPr lang="es-ES_tradnl" sz="1200" b="1" dirty="0" smtClean="0">
+                <a:solidFill>
+                  <a:schemeClr val="bg1"/>
+                </a:solidFill>
+              </a:rPr>
+              <a:t>” </a:t>
+            </a:r>
+            <a:r>
+              <a:rPr lang="es-ES_tradnl" sz="1200" b="1" dirty="0" err="1" smtClean="0">
+                <a:solidFill>
+                  <a:schemeClr val="bg1"/>
+                </a:solidFill>
+              </a:rPr>
+              <a:t>android:layout_below</a:t>
+            </a:r>
+            <a:r>
+              <a:rPr lang="es-ES_tradnl" sz="1200" b="1" dirty="0">
+                <a:solidFill>
+                  <a:schemeClr val="bg1"/>
+                </a:solidFill>
+              </a:rPr>
+              <a:t>="@</a:t>
+            </a:r>
+            <a:r>
+              <a:rPr lang="es-ES_tradnl" sz="1200" b="1" dirty="0" smtClean="0">
+                <a:solidFill>
+                  <a:schemeClr val="bg1"/>
+                </a:solidFill>
+              </a:rPr>
+              <a:t>id/</a:t>
+            </a:r>
+            <a:r>
+              <a:rPr lang="es-ES_tradnl" sz="1200" b="1" dirty="0" err="1" smtClean="0">
+                <a:solidFill>
+                  <a:schemeClr val="bg1"/>
+                </a:solidFill>
+              </a:rPr>
+              <a:t>password</a:t>
+            </a:r>
+            <a:r>
+              <a:rPr lang="es-ES_tradnl" sz="1200" b="1" dirty="0" smtClean="0">
+                <a:solidFill>
+                  <a:schemeClr val="bg1"/>
+                </a:solidFill>
+              </a:rPr>
+              <a:t>” </a:t>
+            </a:r>
+            <a:r>
+              <a:rPr lang="es-ES_tradnl" sz="1200" b="1" dirty="0" err="1" smtClean="0">
+                <a:solidFill>
+                  <a:schemeClr val="bg1"/>
+                </a:solidFill>
+              </a:rPr>
+              <a:t>android:layout_alignBottom</a:t>
+            </a:r>
+            <a:r>
+              <a:rPr lang="es-ES_tradnl" sz="1200" b="1" dirty="0">
+                <a:solidFill>
+                  <a:schemeClr val="bg1"/>
+                </a:solidFill>
+              </a:rPr>
+              <a:t>="@id/</a:t>
+            </a:r>
+            <a:r>
+              <a:rPr lang="es-ES_tradnl" sz="1200" b="1" dirty="0" err="1">
+                <a:solidFill>
+                  <a:schemeClr val="bg1"/>
+                </a:solidFill>
+              </a:rPr>
+              <a:t>login</a:t>
+            </a:r>
+            <a:r>
+              <a:rPr lang="es-ES_tradnl" sz="1200" b="1" dirty="0">
+                <a:solidFill>
+                  <a:schemeClr val="bg1"/>
+                </a:solidFill>
+              </a:rPr>
+              <a:t>"</a:t>
+            </a:r>
+            <a:br>
+              <a:rPr lang="es-ES_tradnl" sz="1200" b="1" dirty="0">
+                <a:solidFill>
+                  <a:schemeClr val="bg1"/>
+                </a:solidFill>
+              </a:rPr>
+            </a:br>
+            <a:r>
+              <a:rPr lang="es-ES_tradnl" sz="1200" b="1" dirty="0">
+                <a:solidFill>
+                  <a:schemeClr val="bg1"/>
+                </a:solidFill>
+              </a:rPr>
+              <a:t>        </a:t>
+            </a:r>
+            <a:r>
+              <a:rPr lang="es-ES_tradnl" sz="1200" b="1" dirty="0" err="1">
+                <a:solidFill>
+                  <a:schemeClr val="bg1"/>
+                </a:solidFill>
+              </a:rPr>
+              <a:t>android:gravity</a:t>
+            </a:r>
+            <a:r>
+              <a:rPr lang="es-ES_tradnl" sz="1200" b="1" dirty="0">
+                <a:solidFill>
+                  <a:schemeClr val="bg1"/>
+                </a:solidFill>
+              </a:rPr>
+              <a:t>="</a:t>
+            </a:r>
+            <a:r>
+              <a:rPr lang="es-ES_tradnl" sz="1200" b="1" dirty="0" smtClean="0">
+                <a:solidFill>
+                  <a:schemeClr val="bg1"/>
+                </a:solidFill>
+              </a:rPr>
+              <a:t>center”  </a:t>
+            </a:r>
+            <a:r>
+              <a:rPr lang="es-ES_tradnl" sz="1200" b="1" dirty="0" err="1">
+                <a:solidFill>
+                  <a:schemeClr val="bg1"/>
+                </a:solidFill>
+              </a:rPr>
+              <a:t>android:layout_toLeftOf</a:t>
+            </a:r>
+            <a:r>
+              <a:rPr lang="es-ES_tradnl" sz="1200" b="1" dirty="0">
+                <a:solidFill>
+                  <a:schemeClr val="bg1"/>
+                </a:solidFill>
+              </a:rPr>
+              <a:t>="@id/</a:t>
+            </a:r>
+            <a:r>
+              <a:rPr lang="es-ES_tradnl" sz="1200" b="1" dirty="0" err="1">
+                <a:solidFill>
+                  <a:schemeClr val="bg1"/>
+                </a:solidFill>
+              </a:rPr>
+              <a:t>login</a:t>
+            </a:r>
+            <a:r>
+              <a:rPr lang="es-ES_tradnl" sz="1200" b="1" dirty="0" smtClean="0">
+                <a:solidFill>
+                  <a:schemeClr val="bg1"/>
+                </a:solidFill>
+              </a:rPr>
+              <a:t>"</a:t>
+            </a:r>
+            <a:r>
+              <a:rPr lang="es-ES_tradnl" sz="1200" dirty="0" smtClean="0">
+                <a:solidFill>
+                  <a:schemeClr val="bg1"/>
+                </a:solidFill>
+              </a:rPr>
+              <a:t>/&gt;</a:t>
+            </a:r>
+            <a:r>
+              <a:rPr lang="es-ES_tradnl" sz="1200" dirty="0">
+                <a:solidFill>
+                  <a:schemeClr val="bg1"/>
+                </a:solidFill>
+              </a:rPr>
+              <a:t/>
+            </a:r>
+            <a:br>
+              <a:rPr lang="es-ES_tradnl" sz="1200" dirty="0">
+                <a:solidFill>
+                  <a:schemeClr val="bg1"/>
+                </a:solidFill>
+              </a:rPr>
+            </a:br>
+            <a:r>
+              <a:rPr lang="es-ES_tradnl" sz="1200" dirty="0">
+                <a:solidFill>
+                  <a:schemeClr val="bg1"/>
+                </a:solidFill>
+              </a:rPr>
+              <a:t>&lt;/</a:t>
+            </a:r>
+            <a:r>
+              <a:rPr lang="es-ES_tradnl" sz="1200" b="1" dirty="0" err="1">
+                <a:solidFill>
+                  <a:schemeClr val="bg1"/>
+                </a:solidFill>
+              </a:rPr>
+              <a:t>RelativeLayout</a:t>
+            </a:r>
+            <a:r>
+              <a:rPr lang="es-ES_tradnl" sz="1200" dirty="0">
+                <a:solidFill>
+                  <a:schemeClr val="bg1"/>
+                </a:solidFill>
+              </a:rPr>
+              <a:t>&gt;</a:t>
             </a:r>
             <a:r>
               <a:rPr lang="es-ES_tradnl" dirty="0"/>
-              <a:t>los componentes </a:t>
-            </a:r>
-            <a:r>
-              <a:rPr lang="es-ES_tradnl" dirty="0" smtClean="0"/>
-              <a:t>visuales </a:t>
-            </a:r>
-            <a:r>
+              <a:t/>
+            </a:r>
+            <a:br>
               <a:rPr lang="es-ES_tradnl" dirty="0"/>
-              <a:t>como en una tabla con una distribución </a:t>
-            </a:r>
-            <a:r>
-              <a:rPr lang="es-ES_tradnl" dirty="0" smtClean="0"/>
-              <a:t>típica </a:t>
-            </a:r>
-            <a:r>
-              <a:rPr lang="es-ES_tradnl" dirty="0"/>
-              <a:t>de filas y columnas</a:t>
-            </a:r>
-          </a:p>
-          <a:p>
-            <a:endParaRPr lang="es-ES_tradnl" dirty="0"/>
-          </a:p>
-          <a:p>
+            </a:br>
             <a:endParaRPr lang="es-ES_tradnl" dirty="0"/>
           </a:p>
         </p:txBody>
       </p:sp>
+      <p:pic>
+        <p:nvPicPr>
+          <p:cNvPr id="7" name="Imagen 6"/>
+          <p:cNvPicPr>
+            <a:picLocks noChangeAspect="1"/>
+          </p:cNvPicPr>
+          <p:nvPr/>
+        </p:nvPicPr>
+        <p:blipFill>
+          <a:blip r:embed="rId2">
+            <a:extLst>
+              <a:ext uri="{28A0092B-C50C-407E-A947-70E740481C1C}">
+                <a14:useLocalDpi xmlns:a14="http://schemas.microsoft.com/office/drawing/2010/main" val="0"/>
+              </a:ext>
+            </a:extLst>
+          </a:blip>
+          <a:stretch>
+            <a:fillRect/>
+          </a:stretch>
+        </p:blipFill>
+        <p:spPr>
+          <a:xfrm>
+            <a:off x="322488" y="2144110"/>
+            <a:ext cx="2483774" cy="4616648"/>
+          </a:xfrm>
+          <a:prstGeom prst="rect">
+            <a:avLst/>
+          </a:prstGeom>
+        </p:spPr>
+      </p:pic>
     </p:spTree>
     <p:extLst>
       <p:ext uri="{BB962C8B-B14F-4D97-AF65-F5344CB8AC3E}">
-        <p14:creationId xmlns:p14="http://schemas.microsoft.com/office/powerpoint/2010/main" val="398005725"/>
+        <p14:creationId xmlns:p14="http://schemas.microsoft.com/office/powerpoint/2010/main" val="1485261543"/>
       </p:ext>
     </p:extLst>
   </p:cSld>
